--- a/SuSS/ANL201 Study Unit 1_2021 - Lecturer.pptx
+++ b/SuSS/ANL201 Study Unit 1_2021 - Lecturer.pptx
@@ -4306,7 +4306,7 @@
           <a:p>
             <a:fld id="{FB7F86EF-755F-EF49-95CD-E6F9DEA0E285}" type="datetimeFigureOut">
               <a:rPr lang="en-US" smtClean="0"/>
-              <a:t>1/18/2021</a:t>
+              <a:t>1/22/2021</a:t>
             </a:fld>
             <a:endParaRPr lang="en-US"/>
           </a:p>
@@ -4471,7 +4471,7 @@
           <a:p>
             <a:fld id="{847550CD-65C1-0D40-9457-6DF5C95A232D}" type="datetimeFigureOut">
               <a:rPr lang="en-US" smtClean="0"/>
-              <a:t>1/18/2021</a:t>
+              <a:t>1/22/2021</a:t>
             </a:fld>
             <a:endParaRPr lang="en-US"/>
           </a:p>
@@ -19114,8 +19114,8 @@
       <p:bldP spid="8" grpId="0" animBg="1"/>
       <p:bldP spid="9" grpId="0" animBg="1"/>
       <p:bldP spid="10" grpId="0"/>
-      <p:bldP spid="12" grpId="0"/>
-      <p:bldP spid="13" grpId="0"/>
+      <p:bldP spid="12" grpId="0" animBg="1"/>
+      <p:bldP spid="13" grpId="0" animBg="1"/>
     </p:bldLst>
   </p:timing>
 </p:sld>
@@ -20212,7 +20212,10 @@
           <a:bodyPr anchor="b"/>
           <a:lstStyle/>
           <a:p>
-            <a:endParaRPr lang="en-US" dirty="0"/>
+            <a:r>
+              <a:rPr lang="en-US" dirty="0"/>
+              <a:t>(15 Min break)</a:t>
+            </a:r>
           </a:p>
         </p:txBody>
       </p:sp>
@@ -22006,7 +22009,7 @@
       </p:par>
     </p:tnLst>
     <p:bldLst>
-      <p:bldP spid="15" grpId="0"/>
+      <p:bldP spid="15" grpId="0" animBg="1"/>
     </p:bldLst>
   </p:timing>
 </p:sld>
@@ -22362,7 +22365,7 @@
       </p:par>
     </p:tnLst>
     <p:bldLst>
-      <p:bldP spid="5" grpId="0"/>
+      <p:bldP spid="5" grpId="0" animBg="1"/>
     </p:bldLst>
   </p:timing>
 </p:sld>
@@ -22736,7 +22739,7 @@
       </p:par>
     </p:tnLst>
     <p:bldLst>
-      <p:bldP spid="6" grpId="0"/>
+      <p:bldP spid="6" grpId="0" animBg="1"/>
     </p:bldLst>
   </p:timing>
 </p:sld>
@@ -23110,7 +23113,7 @@
       </p:par>
     </p:tnLst>
     <p:bldLst>
-      <p:bldP spid="5" grpId="0"/>
+      <p:bldP spid="5" grpId="0" animBg="1"/>
     </p:bldLst>
   </p:timing>
 </p:sld>
@@ -23492,7 +23495,7 @@
       </p:par>
     </p:tnLst>
     <p:bldLst>
-      <p:bldP spid="5" grpId="0"/>
+      <p:bldP spid="5" grpId="0" animBg="1"/>
     </p:bldLst>
   </p:timing>
 </p:sld>
@@ -25161,7 +25164,9 @@
           </a:xfrm>
         </p:spPr>
         <p:txBody>
-          <a:bodyPr anchor="b"/>
+          <a:bodyPr anchor="b">
+            <a:normAutofit/>
+          </a:bodyPr>
           <a:lstStyle/>
           <a:p>
             <a:endParaRPr lang="en-US" dirty="0"/>
@@ -26429,7 +26434,7 @@
       </p:par>
     </p:tnLst>
     <p:bldLst>
-      <p:bldP spid="5" grpId="0"/>
+      <p:bldP spid="5" grpId="0" animBg="1"/>
     </p:bldLst>
   </p:timing>
 </p:sld>
@@ -26844,7 +26849,7 @@
       </p:par>
     </p:tnLst>
     <p:bldLst>
-      <p:bldP spid="5" grpId="0"/>
+      <p:bldP spid="5" grpId="0" animBg="1"/>
     </p:bldLst>
   </p:timing>
 </p:sld>
@@ -28932,7 +28937,10 @@
           <a:bodyPr anchor="b"/>
           <a:lstStyle/>
           <a:p>
-            <a:endParaRPr lang="en-US" dirty="0"/>
+            <a:r>
+              <a:rPr lang="en-US" dirty="0"/>
+              <a:t>(15 Min break)</a:t>
+            </a:r>
           </a:p>
         </p:txBody>
       </p:sp>
@@ -33923,14 +33931,12 @@
             </a:lvl1pPr>
           </a:lstStyle>
           <a:p>
-            <a:pPr/>
             <a:r>
               <a:rPr lang="en-US" dirty="0"/>
               <a:t>2014 Capture:  </a:t>
             </a:r>
           </a:p>
           <a:p>
-            <a:pPr/>
             <a:r>
               <a:rPr lang="en-US" dirty="0"/>
               <a:t>9% (based on total revenue)</a:t>
@@ -42355,15 +42361,6 @@
 </file>
 
 <file path=customXml/item1.xml><?xml version="1.0" encoding="utf-8"?>
-<?mso-contentType ?>
-<FormTemplates xmlns="http://schemas.microsoft.com/sharepoint/v3/contenttype/forms">
-  <Display>DocumentLibraryForm</Display>
-  <Edit>DocumentLibraryForm</Edit>
-  <New>DocumentLibraryForm</New>
-</FormTemplates>
-</file>
-
-<file path=customXml/item2.xml><?xml version="1.0" encoding="utf-8"?>
 <p:properties xmlns:p="http://schemas.microsoft.com/office/2006/metadata/properties" xmlns:xsi="http://www.w3.org/2001/XMLSchema-instance" xmlns:pc="http://schemas.microsoft.com/office/infopath/2007/PartnerControls">
   <documentManagement>
     <_Version xmlns="http://schemas.microsoft.com/sharepoint/v3/fields" xsi:nil="true"/>
@@ -42372,7 +42369,7 @@
 </p:properties>
 </file>
 
-<file path=customXml/item3.xml><?xml version="1.0" encoding="utf-8"?>
+<file path=customXml/item2.xml><?xml version="1.0" encoding="utf-8"?>
 <ct:contentTypeSchema xmlns:ct="http://schemas.microsoft.com/office/2006/metadata/contentType" xmlns:ma="http://schemas.microsoft.com/office/2006/metadata/properties/metaAttributes" ct:_="" ma:_="" ma:contentTypeName="Document" ma:contentTypeID="0x0101000DE64AEEDD9B7A4D93545ACBE97D4615" ma:contentTypeVersion="2" ma:contentTypeDescription="Create a new document." ma:contentTypeScope="" ma:versionID="f49002b78e3a4a71b814eef46a983816">
   <xsd:schema xmlns:xsd="http://www.w3.org/2001/XMLSchema" xmlns:xs="http://www.w3.org/2001/XMLSchema" xmlns:p="http://schemas.microsoft.com/office/2006/metadata/properties" xmlns:ns2="http://schemas.microsoft.com/sharepoint/v3/fields" targetNamespace="http://schemas.microsoft.com/office/2006/metadata/properties" ma:root="true" ma:fieldsID="38f6db2dd0d9a0cf6a8dc37be32b365b" ns2:_="">
     <xsd:import namespace="http://schemas.microsoft.com/sharepoint/v3/fields"/>
@@ -42516,15 +42513,16 @@
 </ct:contentTypeSchema>
 </file>
 
-<file path=customXml/itemProps1.xml><?xml version="1.0" encoding="utf-8"?>
-<ds:datastoreItem xmlns:ds="http://schemas.openxmlformats.org/officeDocument/2006/customXml" ds:itemID="{87D2A1B0-FF3E-4009-940D-AED0EB70AA20}">
-  <ds:schemaRefs>
-    <ds:schemaRef ds:uri="http://schemas.microsoft.com/sharepoint/v3/contenttype/forms"/>
-  </ds:schemaRefs>
-</ds:datastoreItem>
+<file path=customXml/item3.xml><?xml version="1.0" encoding="utf-8"?>
+<?mso-contentType ?>
+<FormTemplates xmlns="http://schemas.microsoft.com/sharepoint/v3/contenttype/forms">
+  <Display>DocumentLibraryForm</Display>
+  <Edit>DocumentLibraryForm</Edit>
+  <New>DocumentLibraryForm</New>
+</FormTemplates>
 </file>
 
-<file path=customXml/itemProps2.xml><?xml version="1.0" encoding="utf-8"?>
+<file path=customXml/itemProps1.xml><?xml version="1.0" encoding="utf-8"?>
 <ds:datastoreItem xmlns:ds="http://schemas.openxmlformats.org/officeDocument/2006/customXml" ds:itemID="{7B6F2769-7194-4217-93D3-3AF3A4742282}">
   <ds:schemaRefs>
     <ds:schemaRef ds:uri="http://purl.org/dc/terms/"/>
@@ -42540,7 +42538,7 @@
 </ds:datastoreItem>
 </file>
 
-<file path=customXml/itemProps3.xml><?xml version="1.0" encoding="utf-8"?>
+<file path=customXml/itemProps2.xml><?xml version="1.0" encoding="utf-8"?>
 <ds:datastoreItem xmlns:ds="http://schemas.openxmlformats.org/officeDocument/2006/customXml" ds:itemID="{E4214858-785C-42F7-BE66-6D0E79395FC8}">
   <ds:schemaRefs>
     <ds:schemaRef ds:uri="http://schemas.microsoft.com/office/2006/metadata/contentType"/>
@@ -42556,4 +42554,12 @@
     <ds:schemaRef ds:uri="http://schemas.microsoft.com/internal/obd"/>
   </ds:schemaRefs>
 </ds:datastoreItem>
+</file>
+
+<file path=customXml/itemProps3.xml><?xml version="1.0" encoding="utf-8"?>
+<ds:datastoreItem xmlns:ds="http://schemas.openxmlformats.org/officeDocument/2006/customXml" ds:itemID="{87D2A1B0-FF3E-4009-940D-AED0EB70AA20}">
+  <ds:schemaRefs>
+    <ds:schemaRef ds:uri="http://schemas.microsoft.com/sharepoint/v3/contenttype/forms"/>
+  </ds:schemaRefs>
+</ds:datastoreItem>
 </file>
--- a/SuSS/ANL201 Study Unit 1_2021 - Lecturer.pptx
+++ b/SuSS/ANL201 Study Unit 1_2021 - Lecturer.pptx
@@ -1227,8 +1227,8 @@
             <a:t>What was </a:t>
           </a:r>
           <a:r>
-            <a:rPr lang="en-US" dirty="0" err="1"/>
-            <a:t>underken</a:t>
+            <a:rPr lang="en-US" dirty="0" smtClean="0"/>
+            <a:t>undertaken</a:t>
           </a:r>
           <a:endParaRPr lang="en-SG" dirty="0"/>
         </a:p>
@@ -1676,6 +1676,13 @@
         </dgm:presLayoutVars>
       </dgm:prSet>
       <dgm:spPr/>
+      <dgm:t>
+        <a:bodyPr/>
+        <a:lstStyle/>
+        <a:p>
+          <a:endParaRPr lang="en-US"/>
+        </a:p>
+      </dgm:t>
     </dgm:pt>
     <dgm:pt modelId="{B1287DA2-DC4B-40FF-BDC1-D5A0999A1A9D}" type="pres">
       <dgm:prSet presAssocID="{1E5AA988-6C4F-4996-8D13-6F2A49A8CAFA}" presName="compNode" presStyleCnt="0"/>
@@ -1692,10 +1699,24 @@
         </dgm:presLayoutVars>
       </dgm:prSet>
       <dgm:spPr/>
+      <dgm:t>
+        <a:bodyPr/>
+        <a:lstStyle/>
+        <a:p>
+          <a:endParaRPr lang="en-US"/>
+        </a:p>
+      </dgm:t>
     </dgm:pt>
     <dgm:pt modelId="{E3A050C1-8093-470A-91A6-BF54C38615FE}" type="pres">
       <dgm:prSet presAssocID="{42CC429D-A37D-4485-8750-8A77982DD586}" presName="sibTrans" presStyleLbl="bgSibTrans2D1" presStyleIdx="0" presStyleCnt="6"/>
       <dgm:spPr/>
+      <dgm:t>
+        <a:bodyPr/>
+        <a:lstStyle/>
+        <a:p>
+          <a:endParaRPr lang="en-US"/>
+        </a:p>
+      </dgm:t>
     </dgm:pt>
     <dgm:pt modelId="{46FE52C7-AB08-4243-B0D1-A956AD1303CC}" type="pres">
       <dgm:prSet presAssocID="{77B7E363-FAD6-48F6-8479-0792245C7D4B}" presName="compNode" presStyleCnt="0"/>
@@ -1712,10 +1733,24 @@
         </dgm:presLayoutVars>
       </dgm:prSet>
       <dgm:spPr/>
+      <dgm:t>
+        <a:bodyPr/>
+        <a:lstStyle/>
+        <a:p>
+          <a:endParaRPr lang="en-US"/>
+        </a:p>
+      </dgm:t>
     </dgm:pt>
     <dgm:pt modelId="{E98D2752-EF88-4463-B59A-83C1C33E7F72}" type="pres">
       <dgm:prSet presAssocID="{9A7D0AEA-BDF7-4EE7-AE6F-6307B7017BF3}" presName="sibTrans" presStyleLbl="bgSibTrans2D1" presStyleIdx="1" presStyleCnt="6"/>
       <dgm:spPr/>
+      <dgm:t>
+        <a:bodyPr/>
+        <a:lstStyle/>
+        <a:p>
+          <a:endParaRPr lang="en-US"/>
+        </a:p>
+      </dgm:t>
     </dgm:pt>
     <dgm:pt modelId="{0730ABB4-3657-47CC-81BB-A0AA9EC88C43}" type="pres">
       <dgm:prSet presAssocID="{A549DF8C-1214-417F-A501-C41A3FBFC029}" presName="compNode" presStyleCnt="0"/>
@@ -1732,10 +1767,24 @@
         </dgm:presLayoutVars>
       </dgm:prSet>
       <dgm:spPr/>
+      <dgm:t>
+        <a:bodyPr/>
+        <a:lstStyle/>
+        <a:p>
+          <a:endParaRPr lang="en-US"/>
+        </a:p>
+      </dgm:t>
     </dgm:pt>
     <dgm:pt modelId="{F77CE2A1-E3E3-4167-94FC-1042AF0747A1}" type="pres">
       <dgm:prSet presAssocID="{B9ADED37-A40E-420F-A77A-61161D6FB701}" presName="sibTrans" presStyleLbl="bgSibTrans2D1" presStyleIdx="2" presStyleCnt="6"/>
       <dgm:spPr/>
+      <dgm:t>
+        <a:bodyPr/>
+        <a:lstStyle/>
+        <a:p>
+          <a:endParaRPr lang="en-US"/>
+        </a:p>
+      </dgm:t>
     </dgm:pt>
     <dgm:pt modelId="{BB826333-FFA2-425E-94E9-D9085370435A}" type="pres">
       <dgm:prSet presAssocID="{DF1FAA7A-4EB9-438F-81D8-8D61C8639498}" presName="compNode" presStyleCnt="0"/>
@@ -1752,10 +1801,24 @@
         </dgm:presLayoutVars>
       </dgm:prSet>
       <dgm:spPr/>
+      <dgm:t>
+        <a:bodyPr/>
+        <a:lstStyle/>
+        <a:p>
+          <a:endParaRPr lang="en-US"/>
+        </a:p>
+      </dgm:t>
     </dgm:pt>
     <dgm:pt modelId="{04CAB76A-8CD6-41EB-AA54-9467308C6604}" type="pres">
       <dgm:prSet presAssocID="{31001269-729B-49C0-88E7-1888615AFC36}" presName="sibTrans" presStyleLbl="bgSibTrans2D1" presStyleIdx="3" presStyleCnt="6"/>
       <dgm:spPr/>
+      <dgm:t>
+        <a:bodyPr/>
+        <a:lstStyle/>
+        <a:p>
+          <a:endParaRPr lang="en-US"/>
+        </a:p>
+      </dgm:t>
     </dgm:pt>
     <dgm:pt modelId="{6F8A6A87-5766-4A2B-A662-98F1C3D91FE0}" type="pres">
       <dgm:prSet presAssocID="{F5844B5B-123A-490E-BFD9-4AF9C1ACADB2}" presName="compNode" presStyleCnt="0"/>
@@ -1772,10 +1835,24 @@
         </dgm:presLayoutVars>
       </dgm:prSet>
       <dgm:spPr/>
+      <dgm:t>
+        <a:bodyPr/>
+        <a:lstStyle/>
+        <a:p>
+          <a:endParaRPr lang="en-US"/>
+        </a:p>
+      </dgm:t>
     </dgm:pt>
     <dgm:pt modelId="{9272231E-9B3B-4DBB-B53C-E9794F3D7B6B}" type="pres">
       <dgm:prSet presAssocID="{60176EA3-6982-443E-A57C-DD0AEB6538E8}" presName="sibTrans" presStyleLbl="bgSibTrans2D1" presStyleIdx="4" presStyleCnt="6"/>
       <dgm:spPr/>
+      <dgm:t>
+        <a:bodyPr/>
+        <a:lstStyle/>
+        <a:p>
+          <a:endParaRPr lang="en-US"/>
+        </a:p>
+      </dgm:t>
     </dgm:pt>
     <dgm:pt modelId="{9FE5A6FC-AA03-4D1C-B3AE-5CC1A1923FD4}" type="pres">
       <dgm:prSet presAssocID="{E039FEFB-70D0-4342-8244-2A8E3FC6D714}" presName="compNode" presStyleCnt="0"/>
@@ -1792,10 +1869,24 @@
         </dgm:presLayoutVars>
       </dgm:prSet>
       <dgm:spPr/>
+      <dgm:t>
+        <a:bodyPr/>
+        <a:lstStyle/>
+        <a:p>
+          <a:endParaRPr lang="en-US"/>
+        </a:p>
+      </dgm:t>
     </dgm:pt>
     <dgm:pt modelId="{B8FC1F3B-5FE7-4B9C-897B-E6A2D05973EA}" type="pres">
       <dgm:prSet presAssocID="{C06E35D1-EA3A-4F3E-8E2D-55232B235832}" presName="sibTrans" presStyleLbl="bgSibTrans2D1" presStyleIdx="5" presStyleCnt="6"/>
       <dgm:spPr/>
+      <dgm:t>
+        <a:bodyPr/>
+        <a:lstStyle/>
+        <a:p>
+          <a:endParaRPr lang="en-US"/>
+        </a:p>
+      </dgm:t>
     </dgm:pt>
     <dgm:pt modelId="{6BECFB8E-EA15-4F61-ACEB-4DD64EDCECEE}" type="pres">
       <dgm:prSet presAssocID="{20DA69BD-4325-4FC7-80CC-56B64F908DB5}" presName="compNode" presStyleCnt="0"/>
@@ -1812,54 +1903,61 @@
         </dgm:presLayoutVars>
       </dgm:prSet>
       <dgm:spPr/>
+      <dgm:t>
+        <a:bodyPr/>
+        <a:lstStyle/>
+        <a:p>
+          <a:endParaRPr lang="en-US"/>
+        </a:p>
+      </dgm:t>
     </dgm:pt>
   </dgm:ptLst>
   <dgm:cxnLst>
+    <dgm:cxn modelId="{447E9033-584B-4D21-BB91-416289288E7C}" type="presOf" srcId="{1E5AA988-6C4F-4996-8D13-6F2A49A8CAFA}" destId="{6D2F6005-2E93-42F1-BEC8-B0A43BE750C4}" srcOrd="0" destOrd="0" presId="urn:microsoft.com/office/officeart/2005/8/layout/bProcess4"/>
+    <dgm:cxn modelId="{69E5B22C-7D8F-44F9-B40C-6ED14B7778F3}" srcId="{2006812E-708E-48D6-8F24-B3FF6FCEDB9E}" destId="{A549DF8C-1214-417F-A501-C41A3FBFC029}" srcOrd="2" destOrd="0" parTransId="{A0C067F0-23BC-4CFF-88C2-8B162D05DA33}" sibTransId="{B9ADED37-A40E-420F-A77A-61161D6FB701}"/>
+    <dgm:cxn modelId="{699A1218-FE48-4C77-8B9B-6C155BE90441}" type="presOf" srcId="{1C59302C-C14C-45D1-B69E-7B654079C129}" destId="{FACB8859-2991-4666-80A0-A49B70ED796A}" srcOrd="0" destOrd="1" presId="urn:microsoft.com/office/officeart/2005/8/layout/bProcess4"/>
+    <dgm:cxn modelId="{6170C551-4291-450C-860A-B794ACE7E277}" type="presOf" srcId="{B9ADED37-A40E-420F-A77A-61161D6FB701}" destId="{F77CE2A1-E3E3-4167-94FC-1042AF0747A1}" srcOrd="0" destOrd="0" presId="urn:microsoft.com/office/officeart/2005/8/layout/bProcess4"/>
+    <dgm:cxn modelId="{0BD42B5C-F3EF-47BC-A105-C93C3DB0AF69}" srcId="{2006812E-708E-48D6-8F24-B3FF6FCEDB9E}" destId="{77B7E363-FAD6-48F6-8479-0792245C7D4B}" srcOrd="1" destOrd="0" parTransId="{F230E464-4C61-4075-A925-47FF6C2403C8}" sibTransId="{9A7D0AEA-BDF7-4EE7-AE6F-6307B7017BF3}"/>
+    <dgm:cxn modelId="{41F7B950-BB09-4555-8945-EC2CDABF5DE8}" type="presOf" srcId="{E14C56C5-4A0B-4F38-8F1A-EEBF16E12820}" destId="{7407090D-020E-4B67-AF22-A54C4E6AC64F}" srcOrd="0" destOrd="1" presId="urn:microsoft.com/office/officeart/2005/8/layout/bProcess4"/>
+    <dgm:cxn modelId="{E4D993D0-31EC-4731-A3AF-E7A9D4314CC6}" type="presOf" srcId="{BC1FBB11-717D-47F9-B45F-22B7677DE88C}" destId="{6D2F6005-2E93-42F1-BEC8-B0A43BE750C4}" srcOrd="0" destOrd="1" presId="urn:microsoft.com/office/officeart/2005/8/layout/bProcess4"/>
+    <dgm:cxn modelId="{EA87FADE-C61F-4F0B-B4BC-03D4C66A2418}" type="presOf" srcId="{F5844B5B-123A-490E-BFD9-4AF9C1ACADB2}" destId="{D359D09B-7D30-4759-9388-06A1102E1107}" srcOrd="0" destOrd="0" presId="urn:microsoft.com/office/officeart/2005/8/layout/bProcess4"/>
+    <dgm:cxn modelId="{3834CC8D-3B02-428E-80FB-EB918DE9D2F8}" srcId="{2006812E-708E-48D6-8F24-B3FF6FCEDB9E}" destId="{F5844B5B-123A-490E-BFD9-4AF9C1ACADB2}" srcOrd="4" destOrd="0" parTransId="{DB373D5D-1C8D-4775-BB0C-0B1F9CE54CFE}" sibTransId="{60176EA3-6982-443E-A57C-DD0AEB6538E8}"/>
+    <dgm:cxn modelId="{5471978A-3A60-40DD-9606-0A059342B3A9}" srcId="{E039FEFB-70D0-4342-8244-2A8E3FC6D714}" destId="{B6B361E4-AFBE-4CD0-989D-39F00907D56A}" srcOrd="1" destOrd="0" parTransId="{3A20D51B-BA8C-4A3C-9CB6-D6D634C214B5}" sibTransId="{6CB62B92-EAFC-4FB2-B448-DB3833896D4F}"/>
+    <dgm:cxn modelId="{9D96A131-0EEE-47EC-A5CF-82A8F0331BC5}" srcId="{2006812E-708E-48D6-8F24-B3FF6FCEDB9E}" destId="{1E5AA988-6C4F-4996-8D13-6F2A49A8CAFA}" srcOrd="0" destOrd="0" parTransId="{B512D190-EC56-4A2C-887B-35F0F86B453A}" sibTransId="{42CC429D-A37D-4485-8750-8A77982DD586}"/>
+    <dgm:cxn modelId="{DA167E02-153D-4E5D-8C25-24E057034A38}" type="presOf" srcId="{2642D9ED-8359-41E3-B187-AE4FE0A3CFFA}" destId="{3C092C11-66D0-403C-9224-0457A7CB1532}" srcOrd="0" destOrd="1" presId="urn:microsoft.com/office/officeart/2005/8/layout/bProcess4"/>
     <dgm:cxn modelId="{722F9E00-2D18-4690-B22A-820028F1B5EF}" type="presOf" srcId="{2902A665-606A-49E6-A02C-5DA0FC18B68C}" destId="{6D2F6005-2E93-42F1-BEC8-B0A43BE750C4}" srcOrd="0" destOrd="2" presId="urn:microsoft.com/office/officeart/2005/8/layout/bProcess4"/>
-    <dgm:cxn modelId="{DA167E02-153D-4E5D-8C25-24E057034A38}" type="presOf" srcId="{2642D9ED-8359-41E3-B187-AE4FE0A3CFFA}" destId="{3C092C11-66D0-403C-9224-0457A7CB1532}" srcOrd="0" destOrd="1" presId="urn:microsoft.com/office/officeart/2005/8/layout/bProcess4"/>
-    <dgm:cxn modelId="{699A1218-FE48-4C77-8B9B-6C155BE90441}" type="presOf" srcId="{1C59302C-C14C-45D1-B69E-7B654079C129}" destId="{FACB8859-2991-4666-80A0-A49B70ED796A}" srcOrd="0" destOrd="1" presId="urn:microsoft.com/office/officeart/2005/8/layout/bProcess4"/>
-    <dgm:cxn modelId="{CA86D318-8187-439F-83C6-A1055D9C2D37}" type="presOf" srcId="{B6B361E4-AFBE-4CD0-989D-39F00907D56A}" destId="{7407090D-020E-4B67-AF22-A54C4E6AC64F}" srcOrd="0" destOrd="2" presId="urn:microsoft.com/office/officeart/2005/8/layout/bProcess4"/>
+    <dgm:cxn modelId="{A8EA739D-F94F-4569-AA33-667F0E85F5AB}" type="presOf" srcId="{77B7E363-FAD6-48F6-8479-0792245C7D4B}" destId="{70F1D8EB-8E89-4795-BC52-CCE3AF64353B}" srcOrd="0" destOrd="0" presId="urn:microsoft.com/office/officeart/2005/8/layout/bProcess4"/>
+    <dgm:cxn modelId="{D5D0B474-771A-406D-9E9C-824827C0B422}" type="presOf" srcId="{20DA69BD-4325-4FC7-80CC-56B64F908DB5}" destId="{3C092C11-66D0-403C-9224-0457A7CB1532}" srcOrd="0" destOrd="0" presId="urn:microsoft.com/office/officeart/2005/8/layout/bProcess4"/>
+    <dgm:cxn modelId="{F1B1E62F-452D-4485-989A-FFDD4B57E169}" srcId="{A549DF8C-1214-417F-A501-C41A3FBFC029}" destId="{1C59302C-C14C-45D1-B69E-7B654079C129}" srcOrd="0" destOrd="0" parTransId="{72223315-B8E5-4508-8DBC-D7305328F721}" sibTransId="{63B1F9FC-39C6-4D37-9EC1-3D4D993536F9}"/>
+    <dgm:cxn modelId="{AD91F7B2-3FD9-40AA-8A6A-3C7A26B45EFF}" srcId="{77B7E363-FAD6-48F6-8479-0792245C7D4B}" destId="{7EE1107A-130C-476C-9FEE-098E49B49607}" srcOrd="0" destOrd="0" parTransId="{40464C73-EC63-4C31-8FC2-44FAF5312424}" sibTransId="{8A456C33-9230-4FDF-87E2-77819FDF340B}"/>
+    <dgm:cxn modelId="{959947ED-5C0E-48F6-9431-E0181B7ED32A}" type="presOf" srcId="{9A7D0AEA-BDF7-4EE7-AE6F-6307B7017BF3}" destId="{E98D2752-EF88-4463-B59A-83C1C33E7F72}" srcOrd="0" destOrd="0" presId="urn:microsoft.com/office/officeart/2005/8/layout/bProcess4"/>
+    <dgm:cxn modelId="{1FE49390-0E07-42AB-9208-F3A8CB43A650}" type="presOf" srcId="{8E2245DA-7957-486B-A8FD-77C65AC37040}" destId="{FACB8859-2991-4666-80A0-A49B70ED796A}" srcOrd="0" destOrd="2" presId="urn:microsoft.com/office/officeart/2005/8/layout/bProcess4"/>
+    <dgm:cxn modelId="{3900F5CB-B765-4AE0-A922-C9DCCB4CF229}" type="presOf" srcId="{A549DF8C-1214-417F-A501-C41A3FBFC029}" destId="{FACB8859-2991-4666-80A0-A49B70ED796A}" srcOrd="0" destOrd="0" presId="urn:microsoft.com/office/officeart/2005/8/layout/bProcess4"/>
+    <dgm:cxn modelId="{FEDE85BB-F4EC-48DD-BF72-571CC1DA620E}" srcId="{2006812E-708E-48D6-8F24-B3FF6FCEDB9E}" destId="{E039FEFB-70D0-4342-8244-2A8E3FC6D714}" srcOrd="5" destOrd="0" parTransId="{EE3267B8-BF9C-4E8C-9911-F32ACB34D93A}" sibTransId="{C06E35D1-EA3A-4F3E-8E2D-55232B235832}"/>
+    <dgm:cxn modelId="{FCB4C971-F275-4994-B1DE-38F91B777F7D}" srcId="{2006812E-708E-48D6-8F24-B3FF6FCEDB9E}" destId="{DF1FAA7A-4EB9-438F-81D8-8D61C8639498}" srcOrd="3" destOrd="0" parTransId="{3AA1AFB7-FB1B-44C9-B020-D27E7C5FEF7D}" sibTransId="{31001269-729B-49C0-88E7-1888615AFC36}"/>
+    <dgm:cxn modelId="{8913C43B-DB92-4AD6-A032-03D9141D8727}" srcId="{A549DF8C-1214-417F-A501-C41A3FBFC029}" destId="{8E2245DA-7957-486B-A8FD-77C65AC37040}" srcOrd="1" destOrd="0" parTransId="{C2B227EB-CC95-47A1-8984-994691103816}" sibTransId="{619BA582-18CA-4F13-848C-77EF14AF73F7}"/>
+    <dgm:cxn modelId="{283D2C2B-1020-42A1-BEEC-CBAC933E66DD}" type="presOf" srcId="{980B3EF7-6C8A-4B0E-9615-9E0DBC519856}" destId="{6D2F6005-2E93-42F1-BEC8-B0A43BE750C4}" srcOrd="0" destOrd="3" presId="urn:microsoft.com/office/officeart/2005/8/layout/bProcess4"/>
+    <dgm:cxn modelId="{A1CF43E0-8EBD-4387-A1CE-14A0CD0E4885}" srcId="{20DA69BD-4325-4FC7-80CC-56B64F908DB5}" destId="{2642D9ED-8359-41E3-B187-AE4FE0A3CFFA}" srcOrd="0" destOrd="0" parTransId="{93261CF2-9A1B-4804-BED8-EB7A7890AEE6}" sibTransId="{DB22A4E9-19C6-4A90-BA7E-40EBA9A5FD97}"/>
     <dgm:cxn modelId="{9013F81A-192A-4CDB-82A9-63FC72FC5EEB}" type="presOf" srcId="{E039FEFB-70D0-4342-8244-2A8E3FC6D714}" destId="{7407090D-020E-4B67-AF22-A54C4E6AC64F}" srcOrd="0" destOrd="0" presId="urn:microsoft.com/office/officeart/2005/8/layout/bProcess4"/>
+    <dgm:cxn modelId="{187BC496-6E92-4D23-855D-30490590E586}" srcId="{1E5AA988-6C4F-4996-8D13-6F2A49A8CAFA}" destId="{2902A665-606A-49E6-A02C-5DA0FC18B68C}" srcOrd="1" destOrd="0" parTransId="{B7E8614C-F7F4-42DE-BBDE-664C73EAA500}" sibTransId="{92FD61F1-2067-47D4-A51A-337386EF1346}"/>
+    <dgm:cxn modelId="{77650039-F893-4FB2-B22F-873721598A01}" type="presOf" srcId="{42CC429D-A37D-4485-8750-8A77982DD586}" destId="{E3A050C1-8093-470A-91A6-BF54C38615FE}" srcOrd="0" destOrd="0" presId="urn:microsoft.com/office/officeart/2005/8/layout/bProcess4"/>
+    <dgm:cxn modelId="{0EA9D9CB-B605-4B64-8A5D-9BD9ADEF2A01}" type="presOf" srcId="{C06E35D1-EA3A-4F3E-8E2D-55232B235832}" destId="{B8FC1F3B-5FE7-4B9C-897B-E6A2D05973EA}" srcOrd="0" destOrd="0" presId="urn:microsoft.com/office/officeart/2005/8/layout/bProcess4"/>
+    <dgm:cxn modelId="{6FCF3FE7-6346-497E-862D-1D026A889482}" type="presOf" srcId="{31001269-729B-49C0-88E7-1888615AFC36}" destId="{04CAB76A-8CD6-41EB-AA54-9467308C6604}" srcOrd="0" destOrd="0" presId="urn:microsoft.com/office/officeart/2005/8/layout/bProcess4"/>
+    <dgm:cxn modelId="{5C638A80-CF5F-462C-8FE8-BB7A19AE5D46}" srcId="{F5844B5B-123A-490E-BFD9-4AF9C1ACADB2}" destId="{F2DAE113-2A19-4091-8A77-FC68B3E917B2}" srcOrd="0" destOrd="0" parTransId="{561A6C50-3B18-4043-8FED-5F4AF55CE985}" sibTransId="{21376BE1-A0B6-4DD7-8E8E-4E7C319E6576}"/>
+    <dgm:cxn modelId="{F8C1182D-01F5-48DC-B6B6-759B0DCC8FAC}" type="presOf" srcId="{2006812E-708E-48D6-8F24-B3FF6FCEDB9E}" destId="{893E358A-6E1B-469D-82C2-7B0CCDE60CB9}" srcOrd="0" destOrd="0" presId="urn:microsoft.com/office/officeart/2005/8/layout/bProcess4"/>
+    <dgm:cxn modelId="{AC222DA9-2BDF-4A99-94EF-E17AAA131F1A}" type="presOf" srcId="{1512F572-DEA6-4D5C-8328-C2D08AB6D2F5}" destId="{833D62A3-8204-43AE-8378-16FCD55E9782}" srcOrd="0" destOrd="1" presId="urn:microsoft.com/office/officeart/2005/8/layout/bProcess4"/>
+    <dgm:cxn modelId="{2C932F77-A533-4C40-A516-C2514FA4977A}" type="presOf" srcId="{DF1FAA7A-4EB9-438F-81D8-8D61C8639498}" destId="{833D62A3-8204-43AE-8378-16FCD55E9782}" srcOrd="0" destOrd="0" presId="urn:microsoft.com/office/officeart/2005/8/layout/bProcess4"/>
     <dgm:cxn modelId="{ADC92E1C-6720-482C-BC31-D91040BDE228}" type="presOf" srcId="{7EE1107A-130C-476C-9FEE-098E49B49607}" destId="{70F1D8EB-8E89-4795-BC52-CCE3AF64353B}" srcOrd="0" destOrd="1" presId="urn:microsoft.com/office/officeart/2005/8/layout/bProcess4"/>
-    <dgm:cxn modelId="{283D2C2B-1020-42A1-BEEC-CBAC933E66DD}" type="presOf" srcId="{980B3EF7-6C8A-4B0E-9615-9E0DBC519856}" destId="{6D2F6005-2E93-42F1-BEC8-B0A43BE750C4}" srcOrd="0" destOrd="3" presId="urn:microsoft.com/office/officeart/2005/8/layout/bProcess4"/>
-    <dgm:cxn modelId="{69E5B22C-7D8F-44F9-B40C-6ED14B7778F3}" srcId="{2006812E-708E-48D6-8F24-B3FF6FCEDB9E}" destId="{A549DF8C-1214-417F-A501-C41A3FBFC029}" srcOrd="2" destOrd="0" parTransId="{A0C067F0-23BC-4CFF-88C2-8B162D05DA33}" sibTransId="{B9ADED37-A40E-420F-A77A-61161D6FB701}"/>
-    <dgm:cxn modelId="{F8C1182D-01F5-48DC-B6B6-759B0DCC8FAC}" type="presOf" srcId="{2006812E-708E-48D6-8F24-B3FF6FCEDB9E}" destId="{893E358A-6E1B-469D-82C2-7B0CCDE60CB9}" srcOrd="0" destOrd="0" presId="urn:microsoft.com/office/officeart/2005/8/layout/bProcess4"/>
-    <dgm:cxn modelId="{F1B1E62F-452D-4485-989A-FFDD4B57E169}" srcId="{A549DF8C-1214-417F-A501-C41A3FBFC029}" destId="{1C59302C-C14C-45D1-B69E-7B654079C129}" srcOrd="0" destOrd="0" parTransId="{72223315-B8E5-4508-8DBC-D7305328F721}" sibTransId="{63B1F9FC-39C6-4D37-9EC1-3D4D993536F9}"/>
-    <dgm:cxn modelId="{9D96A131-0EEE-47EC-A5CF-82A8F0331BC5}" srcId="{2006812E-708E-48D6-8F24-B3FF6FCEDB9E}" destId="{1E5AA988-6C4F-4996-8D13-6F2A49A8CAFA}" srcOrd="0" destOrd="0" parTransId="{B512D190-EC56-4A2C-887B-35F0F86B453A}" sibTransId="{42CC429D-A37D-4485-8750-8A77982DD586}"/>
-    <dgm:cxn modelId="{447E9033-584B-4D21-BB91-416289288E7C}" type="presOf" srcId="{1E5AA988-6C4F-4996-8D13-6F2A49A8CAFA}" destId="{6D2F6005-2E93-42F1-BEC8-B0A43BE750C4}" srcOrd="0" destOrd="0" presId="urn:microsoft.com/office/officeart/2005/8/layout/bProcess4"/>
-    <dgm:cxn modelId="{77650039-F893-4FB2-B22F-873721598A01}" type="presOf" srcId="{42CC429D-A37D-4485-8750-8A77982DD586}" destId="{E3A050C1-8093-470A-91A6-BF54C38615FE}" srcOrd="0" destOrd="0" presId="urn:microsoft.com/office/officeart/2005/8/layout/bProcess4"/>
-    <dgm:cxn modelId="{8913C43B-DB92-4AD6-A032-03D9141D8727}" srcId="{A549DF8C-1214-417F-A501-C41A3FBFC029}" destId="{8E2245DA-7957-486B-A8FD-77C65AC37040}" srcOrd="1" destOrd="0" parTransId="{C2B227EB-CC95-47A1-8984-994691103816}" sibTransId="{619BA582-18CA-4F13-848C-77EF14AF73F7}"/>
-    <dgm:cxn modelId="{0BD42B5C-F3EF-47BC-A105-C93C3DB0AF69}" srcId="{2006812E-708E-48D6-8F24-B3FF6FCEDB9E}" destId="{77B7E363-FAD6-48F6-8479-0792245C7D4B}" srcOrd="1" destOrd="0" parTransId="{F230E464-4C61-4075-A925-47FF6C2403C8}" sibTransId="{9A7D0AEA-BDF7-4EE7-AE6F-6307B7017BF3}"/>
     <dgm:cxn modelId="{49867646-A503-4D16-A354-2D60D5F65B7F}" type="presOf" srcId="{F2DAE113-2A19-4091-8A77-FC68B3E917B2}" destId="{D359D09B-7D30-4759-9388-06A1102E1107}" srcOrd="0" destOrd="1" presId="urn:microsoft.com/office/officeart/2005/8/layout/bProcess4"/>
+    <dgm:cxn modelId="{ABF5E5F6-4854-4869-9321-D4A1FE81E6F4}" srcId="{77B7E363-FAD6-48F6-8479-0792245C7D4B}" destId="{68C5C060-5EAD-454B-A985-39518F74887F}" srcOrd="1" destOrd="0" parTransId="{45B8CDC2-05D7-49ED-BAE8-9DDA40326D45}" sibTransId="{66F31BC8-25B8-485E-9E5C-AD06724BDF12}"/>
+    <dgm:cxn modelId="{93237492-14E5-4A7C-A312-9D5ECAE0AC6B}" srcId="{2006812E-708E-48D6-8F24-B3FF6FCEDB9E}" destId="{20DA69BD-4325-4FC7-80CC-56B64F908DB5}" srcOrd="6" destOrd="0" parTransId="{47DFD2ED-F9F0-4B1F-B2AD-DBAEC64274ED}" sibTransId="{8E7C4A8A-A33E-4CA1-AAFD-C632484527D0}"/>
+    <dgm:cxn modelId="{46BC1351-8BD9-46AF-8ADA-31A03BFBB821}" type="presOf" srcId="{60176EA3-6982-443E-A57C-DD0AEB6538E8}" destId="{9272231E-9B3B-4DBB-B53C-E9794F3D7B6B}" srcOrd="0" destOrd="0" presId="urn:microsoft.com/office/officeart/2005/8/layout/bProcess4"/>
+    <dgm:cxn modelId="{1DA780AE-822B-4CDE-A1D2-44BE8322FD97}" srcId="{1E5AA988-6C4F-4996-8D13-6F2A49A8CAFA}" destId="{980B3EF7-6C8A-4B0E-9615-9E0DBC519856}" srcOrd="2" destOrd="0" parTransId="{8D2AA458-B54E-430C-A471-9A7A17C24517}" sibTransId="{4CAFBF46-AA57-4139-915D-0C3760A65CC0}"/>
     <dgm:cxn modelId="{54879B4B-A26C-47F6-BC87-80D347AC142C}" srcId="{E039FEFB-70D0-4342-8244-2A8E3FC6D714}" destId="{E14C56C5-4A0B-4F38-8F1A-EEBF16E12820}" srcOrd="0" destOrd="0" parTransId="{3FF8ADE0-1292-4D71-9AE5-76912E3F6D5F}" sibTransId="{9FA0EE26-5A00-4D97-849C-48FBD68EF21B}"/>
     <dgm:cxn modelId="{A3D6C74D-015E-402F-885C-805294355258}" srcId="{1E5AA988-6C4F-4996-8D13-6F2A49A8CAFA}" destId="{BC1FBB11-717D-47F9-B45F-22B7677DE88C}" srcOrd="0" destOrd="0" parTransId="{5E6EEDF7-0927-4044-A0EC-9ADD422A7EC4}" sibTransId="{8D848E14-83E0-45BB-B200-5FF8B8AAA498}"/>
-    <dgm:cxn modelId="{41F7B950-BB09-4555-8945-EC2CDABF5DE8}" type="presOf" srcId="{E14C56C5-4A0B-4F38-8F1A-EEBF16E12820}" destId="{7407090D-020E-4B67-AF22-A54C4E6AC64F}" srcOrd="0" destOrd="1" presId="urn:microsoft.com/office/officeart/2005/8/layout/bProcess4"/>
-    <dgm:cxn modelId="{46BC1351-8BD9-46AF-8ADA-31A03BFBB821}" type="presOf" srcId="{60176EA3-6982-443E-A57C-DD0AEB6538E8}" destId="{9272231E-9B3B-4DBB-B53C-E9794F3D7B6B}" srcOrd="0" destOrd="0" presId="urn:microsoft.com/office/officeart/2005/8/layout/bProcess4"/>
-    <dgm:cxn modelId="{6170C551-4291-450C-860A-B794ACE7E277}" type="presOf" srcId="{B9ADED37-A40E-420F-A77A-61161D6FB701}" destId="{F77CE2A1-E3E3-4167-94FC-1042AF0747A1}" srcOrd="0" destOrd="0" presId="urn:microsoft.com/office/officeart/2005/8/layout/bProcess4"/>
-    <dgm:cxn modelId="{FCB4C971-F275-4994-B1DE-38F91B777F7D}" srcId="{2006812E-708E-48D6-8F24-B3FF6FCEDB9E}" destId="{DF1FAA7A-4EB9-438F-81D8-8D61C8639498}" srcOrd="3" destOrd="0" parTransId="{3AA1AFB7-FB1B-44C9-B020-D27E7C5FEF7D}" sibTransId="{31001269-729B-49C0-88E7-1888615AFC36}"/>
-    <dgm:cxn modelId="{D5D0B474-771A-406D-9E9C-824827C0B422}" type="presOf" srcId="{20DA69BD-4325-4FC7-80CC-56B64F908DB5}" destId="{3C092C11-66D0-403C-9224-0457A7CB1532}" srcOrd="0" destOrd="0" presId="urn:microsoft.com/office/officeart/2005/8/layout/bProcess4"/>
-    <dgm:cxn modelId="{2C932F77-A533-4C40-A516-C2514FA4977A}" type="presOf" srcId="{DF1FAA7A-4EB9-438F-81D8-8D61C8639498}" destId="{833D62A3-8204-43AE-8378-16FCD55E9782}" srcOrd="0" destOrd="0" presId="urn:microsoft.com/office/officeart/2005/8/layout/bProcess4"/>
-    <dgm:cxn modelId="{5C638A80-CF5F-462C-8FE8-BB7A19AE5D46}" srcId="{F5844B5B-123A-490E-BFD9-4AF9C1ACADB2}" destId="{F2DAE113-2A19-4091-8A77-FC68B3E917B2}" srcOrd="0" destOrd="0" parTransId="{561A6C50-3B18-4043-8FED-5F4AF55CE985}" sibTransId="{21376BE1-A0B6-4DD7-8E8E-4E7C319E6576}"/>
+    <dgm:cxn modelId="{7AEDDCA5-497B-448A-82E7-152B960CB71E}" type="presOf" srcId="{68C5C060-5EAD-454B-A985-39518F74887F}" destId="{70F1D8EB-8E89-4795-BC52-CCE3AF64353B}" srcOrd="0" destOrd="2" presId="urn:microsoft.com/office/officeart/2005/8/layout/bProcess4"/>
     <dgm:cxn modelId="{63388B85-260C-434F-8777-D48FA002C40C}" srcId="{DF1FAA7A-4EB9-438F-81D8-8D61C8639498}" destId="{1512F572-DEA6-4D5C-8328-C2D08AB6D2F5}" srcOrd="0" destOrd="0" parTransId="{99BBEBF5-3CB5-411E-AE41-39E4DAF52500}" sibTransId="{4E6C1824-ACE6-4221-99BC-8D66674668C5}"/>
-    <dgm:cxn modelId="{5471978A-3A60-40DD-9606-0A059342B3A9}" srcId="{E039FEFB-70D0-4342-8244-2A8E3FC6D714}" destId="{B6B361E4-AFBE-4CD0-989D-39F00907D56A}" srcOrd="1" destOrd="0" parTransId="{3A20D51B-BA8C-4A3C-9CB6-D6D634C214B5}" sibTransId="{6CB62B92-EAFC-4FB2-B448-DB3833896D4F}"/>
-    <dgm:cxn modelId="{3834CC8D-3B02-428E-80FB-EB918DE9D2F8}" srcId="{2006812E-708E-48D6-8F24-B3FF6FCEDB9E}" destId="{F5844B5B-123A-490E-BFD9-4AF9C1ACADB2}" srcOrd="4" destOrd="0" parTransId="{DB373D5D-1C8D-4775-BB0C-0B1F9CE54CFE}" sibTransId="{60176EA3-6982-443E-A57C-DD0AEB6538E8}"/>
-    <dgm:cxn modelId="{1FE49390-0E07-42AB-9208-F3A8CB43A650}" type="presOf" srcId="{8E2245DA-7957-486B-A8FD-77C65AC37040}" destId="{FACB8859-2991-4666-80A0-A49B70ED796A}" srcOrd="0" destOrd="2" presId="urn:microsoft.com/office/officeart/2005/8/layout/bProcess4"/>
-    <dgm:cxn modelId="{93237492-14E5-4A7C-A312-9D5ECAE0AC6B}" srcId="{2006812E-708E-48D6-8F24-B3FF6FCEDB9E}" destId="{20DA69BD-4325-4FC7-80CC-56B64F908DB5}" srcOrd="6" destOrd="0" parTransId="{47DFD2ED-F9F0-4B1F-B2AD-DBAEC64274ED}" sibTransId="{8E7C4A8A-A33E-4CA1-AAFD-C632484527D0}"/>
-    <dgm:cxn modelId="{187BC496-6E92-4D23-855D-30490590E586}" srcId="{1E5AA988-6C4F-4996-8D13-6F2A49A8CAFA}" destId="{2902A665-606A-49E6-A02C-5DA0FC18B68C}" srcOrd="1" destOrd="0" parTransId="{B7E8614C-F7F4-42DE-BBDE-664C73EAA500}" sibTransId="{92FD61F1-2067-47D4-A51A-337386EF1346}"/>
-    <dgm:cxn modelId="{A8EA739D-F94F-4569-AA33-667F0E85F5AB}" type="presOf" srcId="{77B7E363-FAD6-48F6-8479-0792245C7D4B}" destId="{70F1D8EB-8E89-4795-BC52-CCE3AF64353B}" srcOrd="0" destOrd="0" presId="urn:microsoft.com/office/officeart/2005/8/layout/bProcess4"/>
-    <dgm:cxn modelId="{7AEDDCA5-497B-448A-82E7-152B960CB71E}" type="presOf" srcId="{68C5C060-5EAD-454B-A985-39518F74887F}" destId="{70F1D8EB-8E89-4795-BC52-CCE3AF64353B}" srcOrd="0" destOrd="2" presId="urn:microsoft.com/office/officeart/2005/8/layout/bProcess4"/>
-    <dgm:cxn modelId="{AC222DA9-2BDF-4A99-94EF-E17AAA131F1A}" type="presOf" srcId="{1512F572-DEA6-4D5C-8328-C2D08AB6D2F5}" destId="{833D62A3-8204-43AE-8378-16FCD55E9782}" srcOrd="0" destOrd="1" presId="urn:microsoft.com/office/officeart/2005/8/layout/bProcess4"/>
-    <dgm:cxn modelId="{1DA780AE-822B-4CDE-A1D2-44BE8322FD97}" srcId="{1E5AA988-6C4F-4996-8D13-6F2A49A8CAFA}" destId="{980B3EF7-6C8A-4B0E-9615-9E0DBC519856}" srcOrd="2" destOrd="0" parTransId="{8D2AA458-B54E-430C-A471-9A7A17C24517}" sibTransId="{4CAFBF46-AA57-4139-915D-0C3760A65CC0}"/>
-    <dgm:cxn modelId="{AD91F7B2-3FD9-40AA-8A6A-3C7A26B45EFF}" srcId="{77B7E363-FAD6-48F6-8479-0792245C7D4B}" destId="{7EE1107A-130C-476C-9FEE-098E49B49607}" srcOrd="0" destOrd="0" parTransId="{40464C73-EC63-4C31-8FC2-44FAF5312424}" sibTransId="{8A456C33-9230-4FDF-87E2-77819FDF340B}"/>
-    <dgm:cxn modelId="{FEDE85BB-F4EC-48DD-BF72-571CC1DA620E}" srcId="{2006812E-708E-48D6-8F24-B3FF6FCEDB9E}" destId="{E039FEFB-70D0-4342-8244-2A8E3FC6D714}" srcOrd="5" destOrd="0" parTransId="{EE3267B8-BF9C-4E8C-9911-F32ACB34D93A}" sibTransId="{C06E35D1-EA3A-4F3E-8E2D-55232B235832}"/>
-    <dgm:cxn modelId="{0EA9D9CB-B605-4B64-8A5D-9BD9ADEF2A01}" type="presOf" srcId="{C06E35D1-EA3A-4F3E-8E2D-55232B235832}" destId="{B8FC1F3B-5FE7-4B9C-897B-E6A2D05973EA}" srcOrd="0" destOrd="0" presId="urn:microsoft.com/office/officeart/2005/8/layout/bProcess4"/>
-    <dgm:cxn modelId="{3900F5CB-B765-4AE0-A922-C9DCCB4CF229}" type="presOf" srcId="{A549DF8C-1214-417F-A501-C41A3FBFC029}" destId="{FACB8859-2991-4666-80A0-A49B70ED796A}" srcOrd="0" destOrd="0" presId="urn:microsoft.com/office/officeart/2005/8/layout/bProcess4"/>
-    <dgm:cxn modelId="{E4D993D0-31EC-4731-A3AF-E7A9D4314CC6}" type="presOf" srcId="{BC1FBB11-717D-47F9-B45F-22B7677DE88C}" destId="{6D2F6005-2E93-42F1-BEC8-B0A43BE750C4}" srcOrd="0" destOrd="1" presId="urn:microsoft.com/office/officeart/2005/8/layout/bProcess4"/>
-    <dgm:cxn modelId="{EA87FADE-C61F-4F0B-B4BC-03D4C66A2418}" type="presOf" srcId="{F5844B5B-123A-490E-BFD9-4AF9C1ACADB2}" destId="{D359D09B-7D30-4759-9388-06A1102E1107}" srcOrd="0" destOrd="0" presId="urn:microsoft.com/office/officeart/2005/8/layout/bProcess4"/>
-    <dgm:cxn modelId="{A1CF43E0-8EBD-4387-A1CE-14A0CD0E4885}" srcId="{20DA69BD-4325-4FC7-80CC-56B64F908DB5}" destId="{2642D9ED-8359-41E3-B187-AE4FE0A3CFFA}" srcOrd="0" destOrd="0" parTransId="{93261CF2-9A1B-4804-BED8-EB7A7890AEE6}" sibTransId="{DB22A4E9-19C6-4A90-BA7E-40EBA9A5FD97}"/>
-    <dgm:cxn modelId="{6FCF3FE7-6346-497E-862D-1D026A889482}" type="presOf" srcId="{31001269-729B-49C0-88E7-1888615AFC36}" destId="{04CAB76A-8CD6-41EB-AA54-9467308C6604}" srcOrd="0" destOrd="0" presId="urn:microsoft.com/office/officeart/2005/8/layout/bProcess4"/>
-    <dgm:cxn modelId="{959947ED-5C0E-48F6-9431-E0181B7ED32A}" type="presOf" srcId="{9A7D0AEA-BDF7-4EE7-AE6F-6307B7017BF3}" destId="{E98D2752-EF88-4463-B59A-83C1C33E7F72}" srcOrd="0" destOrd="0" presId="urn:microsoft.com/office/officeart/2005/8/layout/bProcess4"/>
-    <dgm:cxn modelId="{ABF5E5F6-4854-4869-9321-D4A1FE81E6F4}" srcId="{77B7E363-FAD6-48F6-8479-0792245C7D4B}" destId="{68C5C060-5EAD-454B-A985-39518F74887F}" srcOrd="1" destOrd="0" parTransId="{45B8CDC2-05D7-49ED-BAE8-9DDA40326D45}" sibTransId="{66F31BC8-25B8-485E-9E5C-AD06724BDF12}"/>
+    <dgm:cxn modelId="{CA86D318-8187-439F-83C6-A1055D9C2D37}" type="presOf" srcId="{B6B361E4-AFBE-4CD0-989D-39F00907D56A}" destId="{7407090D-020E-4B67-AF22-A54C4E6AC64F}" srcOrd="0" destOrd="2" presId="urn:microsoft.com/office/officeart/2005/8/layout/bProcess4"/>
     <dgm:cxn modelId="{45ED4542-E51F-409F-8B00-84B6C02E8CA6}" type="presParOf" srcId="{893E358A-6E1B-469D-82C2-7B0CCDE60CB9}" destId="{B1287DA2-DC4B-40FF-BDC1-D5A0999A1A9D}" srcOrd="0" destOrd="0" presId="urn:microsoft.com/office/officeart/2005/8/layout/bProcess4"/>
     <dgm:cxn modelId="{3E4AAB84-A997-48C8-9DE7-513326CBAC71}" type="presParOf" srcId="{B1287DA2-DC4B-40FF-BDC1-D5A0999A1A9D}" destId="{B318896B-8D25-40BE-AA2F-A2438F7E078B}" srcOrd="0" destOrd="0" presId="urn:microsoft.com/office/officeart/2005/8/layout/bProcess4"/>
     <dgm:cxn modelId="{009A769B-4519-4D48-ACBD-BAC0F5C28314}" type="presParOf" srcId="{B1287DA2-DC4B-40FF-BDC1-D5A0999A1A9D}" destId="{6D2F6005-2E93-42F1-BEC8-B0A43BE750C4}" srcOrd="1" destOrd="0" presId="urn:microsoft.com/office/officeart/2005/8/layout/bProcess4"/>
@@ -1892,7 +1990,7 @@
   <dgm:whole/>
   <dgm:extLst>
     <a:ext uri="http://schemas.microsoft.com/office/drawing/2008/diagram">
-      <dsp:dataModelExt xmlns:dsp="http://schemas.microsoft.com/office/drawing/2008/diagram" relId="rId6" minVer="http://schemas.openxmlformats.org/drawingml/2006/diagram"/>
+      <dsp:dataModelExt xmlns:dsp="http://schemas.microsoft.com/office/drawing/2008/diagram" relId="rId7" minVer="http://schemas.openxmlformats.org/drawingml/2006/diagram"/>
     </a:ext>
   </dgm:extLst>
 </dgm:dataModel>
@@ -2004,7 +2102,7 @@
         </a:bodyPr>
         <a:lstStyle/>
         <a:p>
-          <a:pPr marL="0" lvl="0" indent="0" algn="l" defTabSz="577850">
+          <a:pPr lvl="0" algn="l" defTabSz="577850">
             <a:lnSpc>
               <a:spcPct val="90000"/>
             </a:lnSpc>
@@ -2014,7 +2112,6 @@
             <a:spcAft>
               <a:spcPct val="35000"/>
             </a:spcAft>
-            <a:buNone/>
           </a:pPr>
           <a:r>
             <a:rPr lang="en-US" sz="1300" kern="1200" dirty="0"/>
@@ -2033,7 +2130,7 @@
             <a:spcAft>
               <a:spcPct val="15000"/>
             </a:spcAft>
-            <a:buChar char="•"/>
+            <a:buChar char="••"/>
           </a:pPr>
           <a:r>
             <a:rPr lang="en-US" sz="1000" kern="1200" dirty="0"/>
@@ -2052,7 +2149,7 @@
             <a:spcAft>
               <a:spcPct val="15000"/>
             </a:spcAft>
-            <a:buChar char="•"/>
+            <a:buChar char="••"/>
           </a:pPr>
           <a:r>
             <a:rPr lang="en-US" sz="1000" kern="1200" dirty="0"/>
@@ -2071,7 +2168,7 @@
             <a:spcAft>
               <a:spcPct val="15000"/>
             </a:spcAft>
-            <a:buChar char="•"/>
+            <a:buChar char="••"/>
           </a:pPr>
           <a:r>
             <a:rPr lang="en-US" sz="1000" kern="1200" dirty="0"/>
@@ -2183,7 +2280,7 @@
         </a:bodyPr>
         <a:lstStyle/>
         <a:p>
-          <a:pPr marL="0" lvl="0" indent="0" algn="l" defTabSz="577850">
+          <a:pPr lvl="0" algn="l" defTabSz="577850">
             <a:lnSpc>
               <a:spcPct val="90000"/>
             </a:lnSpc>
@@ -2193,7 +2290,6 @@
             <a:spcAft>
               <a:spcPct val="35000"/>
             </a:spcAft>
-            <a:buNone/>
           </a:pPr>
           <a:r>
             <a:rPr lang="en-US" sz="1300" kern="1200" dirty="0"/>
@@ -2212,7 +2308,7 @@
             <a:spcAft>
               <a:spcPct val="15000"/>
             </a:spcAft>
-            <a:buChar char="•"/>
+            <a:buChar char="••"/>
           </a:pPr>
           <a:r>
             <a:rPr lang="en-US" sz="1000" kern="1200" dirty="0"/>
@@ -2231,7 +2327,7 @@
             <a:spcAft>
               <a:spcPct val="15000"/>
             </a:spcAft>
-            <a:buChar char="•"/>
+            <a:buChar char="••"/>
           </a:pPr>
           <a:r>
             <a:rPr lang="en-US" sz="1000" kern="1200" dirty="0"/>
@@ -2343,7 +2439,7 @@
         </a:bodyPr>
         <a:lstStyle/>
         <a:p>
-          <a:pPr marL="0" lvl="0" indent="0" algn="l" defTabSz="577850">
+          <a:pPr lvl="0" algn="l" defTabSz="577850">
             <a:lnSpc>
               <a:spcPct val="90000"/>
             </a:lnSpc>
@@ -2353,7 +2449,6 @@
             <a:spcAft>
               <a:spcPct val="35000"/>
             </a:spcAft>
-            <a:buNone/>
           </a:pPr>
           <a:r>
             <a:rPr lang="en-US" sz="1300" kern="1200" dirty="0"/>
@@ -2372,15 +2467,15 @@
             <a:spcAft>
               <a:spcPct val="15000"/>
             </a:spcAft>
-            <a:buChar char="•"/>
+            <a:buChar char="••"/>
           </a:pPr>
           <a:r>
             <a:rPr lang="en-US" sz="1000" kern="1200" dirty="0"/>
             <a:t>What was </a:t>
           </a:r>
           <a:r>
-            <a:rPr lang="en-US" sz="1000" kern="1200" dirty="0" err="1"/>
-            <a:t>underken</a:t>
+            <a:rPr lang="en-US" sz="1000" kern="1200" dirty="0" smtClean="0"/>
+            <a:t>undertaken</a:t>
           </a:r>
           <a:endParaRPr lang="en-SG" sz="1000" kern="1200" dirty="0"/>
         </a:p>
@@ -2395,7 +2490,7 @@
             <a:spcAft>
               <a:spcPct val="15000"/>
             </a:spcAft>
-            <a:buChar char="•"/>
+            <a:buChar char="••"/>
           </a:pPr>
           <a:r>
             <a:rPr lang="en-US" sz="1000" kern="1200" dirty="0"/>
@@ -2507,7 +2602,7 @@
         </a:bodyPr>
         <a:lstStyle/>
         <a:p>
-          <a:pPr marL="0" lvl="0" indent="0" algn="l" defTabSz="577850">
+          <a:pPr lvl="0" algn="l" defTabSz="577850">
             <a:lnSpc>
               <a:spcPct val="90000"/>
             </a:lnSpc>
@@ -2517,7 +2612,6 @@
             <a:spcAft>
               <a:spcPct val="35000"/>
             </a:spcAft>
-            <a:buNone/>
           </a:pPr>
           <a:r>
             <a:rPr lang="en-US" sz="1300" kern="1200" dirty="0"/>
@@ -2536,7 +2630,7 @@
             <a:spcAft>
               <a:spcPct val="15000"/>
             </a:spcAft>
-            <a:buChar char="•"/>
+            <a:buChar char="••"/>
           </a:pPr>
           <a:r>
             <a:rPr lang="en-US" sz="1000" kern="1200" dirty="0"/>
@@ -2648,7 +2742,7 @@
         </a:bodyPr>
         <a:lstStyle/>
         <a:p>
-          <a:pPr marL="0" lvl="0" indent="0" algn="l" defTabSz="577850">
+          <a:pPr lvl="0" algn="l" defTabSz="577850">
             <a:lnSpc>
               <a:spcPct val="90000"/>
             </a:lnSpc>
@@ -2658,7 +2752,6 @@
             <a:spcAft>
               <a:spcPct val="35000"/>
             </a:spcAft>
-            <a:buNone/>
           </a:pPr>
           <a:r>
             <a:rPr lang="en-US" sz="1300" kern="1200" dirty="0"/>
@@ -2677,7 +2770,7 @@
             <a:spcAft>
               <a:spcPct val="15000"/>
             </a:spcAft>
-            <a:buChar char="•"/>
+            <a:buChar char="••"/>
           </a:pPr>
           <a:r>
             <a:rPr lang="en-US" sz="1000" kern="1200" dirty="0"/>
@@ -2789,7 +2882,7 @@
         </a:bodyPr>
         <a:lstStyle/>
         <a:p>
-          <a:pPr marL="0" lvl="0" indent="0" algn="l" defTabSz="577850">
+          <a:pPr lvl="0" algn="l" defTabSz="577850">
             <a:lnSpc>
               <a:spcPct val="90000"/>
             </a:lnSpc>
@@ -2799,7 +2892,6 @@
             <a:spcAft>
               <a:spcPct val="35000"/>
             </a:spcAft>
-            <a:buNone/>
           </a:pPr>
           <a:r>
             <a:rPr lang="en-US" sz="1300" kern="1200" dirty="0"/>
@@ -2818,7 +2910,7 @@
             <a:spcAft>
               <a:spcPct val="15000"/>
             </a:spcAft>
-            <a:buChar char="•"/>
+            <a:buChar char="••"/>
           </a:pPr>
           <a:r>
             <a:rPr lang="en-US" sz="1000" kern="1200" dirty="0"/>
@@ -2837,7 +2929,7 @@
             <a:spcAft>
               <a:spcPct val="15000"/>
             </a:spcAft>
-            <a:buChar char="•"/>
+            <a:buChar char="••"/>
           </a:pPr>
           <a:r>
             <a:rPr lang="en-US" sz="1000" kern="1200" dirty="0"/>
@@ -2913,7 +3005,7 @@
         </a:bodyPr>
         <a:lstStyle/>
         <a:p>
-          <a:pPr marL="0" lvl="0" indent="0" algn="l" defTabSz="577850">
+          <a:pPr lvl="0" algn="l" defTabSz="577850">
             <a:lnSpc>
               <a:spcPct val="90000"/>
             </a:lnSpc>
@@ -2923,7 +3015,6 @@
             <a:spcAft>
               <a:spcPct val="35000"/>
             </a:spcAft>
-            <a:buNone/>
           </a:pPr>
           <a:r>
             <a:rPr lang="en-US" sz="1300" kern="1200" dirty="0"/>
@@ -2941,7 +3032,7 @@
             <a:spcAft>
               <a:spcPct val="15000"/>
             </a:spcAft>
-            <a:buChar char="•"/>
+            <a:buChar char="••"/>
           </a:pPr>
           <a:r>
             <a:rPr lang="en-US" sz="1000" kern="1200" dirty="0"/>
@@ -4307,7 +4398,7 @@
           <a:p>
             <a:fld id="{FB7F86EF-755F-EF49-95CD-E6F9DEA0E285}" type="datetimeFigureOut">
               <a:rPr lang="en-US" smtClean="0"/>
-              <a:t>2/4/2021</a:t>
+              <a:t>2/5/2021</a:t>
             </a:fld>
             <a:endParaRPr lang="en-US"/>
           </a:p>
@@ -4472,7 +4563,7 @@
           <a:p>
             <a:fld id="{847550CD-65C1-0D40-9457-6DF5C95A232D}" type="datetimeFigureOut">
               <a:rPr lang="en-US" smtClean="0"/>
-              <a:t>2/4/2021</a:t>
+              <a:t>2/5/2021</a:t>
             </a:fld>
             <a:endParaRPr lang="en-US"/>
           </a:p>
@@ -4868,33 +4959,9 @@
           <a:bodyPr/>
           <a:lstStyle/>
           <a:p>
-            <a:pPr eaLnBrk="1" hangingPunct="1">
-              <a:spcBef>
-                <a:spcPct val="0"/>
-              </a:spcBef>
-            </a:pPr>
-            <a:r>
-              <a:rPr lang="en-US" altLang="en-US" sz="1800" dirty="0"/>
-              <a:t>Strategic ‘Steering Wheel’, divided into five radial slices - Customer, Community, Operations, People and Finance. Each slice is subdivided into specific objectives – for example the ‘Customer’ slice contains ‘Earn Lifetime Loyalty’, ‘The Aisles Are Clear’, ‘I Can Get What I Want’, ‘The Prices Are Good’, ‘I Don’t Queue’ and ‘The Staff Are Great’.</a:t>
-            </a:r>
-          </a:p>
-          <a:p>
-            <a:pPr eaLnBrk="1" hangingPunct="1">
-              <a:spcBef>
-                <a:spcPct val="0"/>
-              </a:spcBef>
-            </a:pPr>
-            <a:endParaRPr lang="en-US" altLang="en-US" sz="1800" dirty="0"/>
-          </a:p>
-          <a:p>
-            <a:pPr eaLnBrk="1" hangingPunct="1">
-              <a:spcBef>
-                <a:spcPct val="0"/>
-              </a:spcBef>
-            </a:pPr>
-            <a:r>
-              <a:rPr lang="en-US" altLang="en-US" sz="1800" dirty="0"/>
-              <a:t>The steering wheel gives a clear prescription on what should be measured in order to balance the financial perspective.</a:t>
+            <a:r>
+              <a:rPr lang="en-GB" sz="1800" noProof="0" dirty="0"/>
+              <a:t>If the measures in the financial perspective are not showing gains while measures in the other three perspectives are, it could mean that the organisation has set the wrong goals</a:t>
             </a:r>
           </a:p>
         </p:txBody>
@@ -4916,7 +4983,7 @@
           <a:p>
             <a:fld id="{2E36A4A8-4679-F349-B4E1-60A94314D23D}" type="slidenum">
               <a:rPr lang="en-US" smtClean="0"/>
-              <a:t>28</a:t>
+              <a:t>23</a:t>
             </a:fld>
             <a:endParaRPr lang="en-US"/>
           </a:p>
@@ -4925,7 +4992,7 @@
     </p:spTree>
     <p:extLst>
       <p:ext uri="{BB962C8B-B14F-4D97-AF65-F5344CB8AC3E}">
-        <p14:creationId xmlns:p14="http://schemas.microsoft.com/office/powerpoint/2010/main" val="394554245"/>
+        <p14:creationId xmlns:p14="http://schemas.microsoft.com/office/powerpoint/2010/main" val="3443742522"/>
       </p:ext>
     </p:extLst>
   </p:cSld>
@@ -4979,11 +5046,34 @@
           <a:bodyPr/>
           <a:lstStyle/>
           <a:p>
-            <a:r>
-              <a:rPr lang="en-US" sz="1800" dirty="0"/>
-              <a:t>Example of objectives linked to each balanced scorecard perspectives.</a:t>
-            </a:r>
-            <a:endParaRPr lang="en-GB" sz="1800" noProof="0" dirty="0"/>
+            <a:pPr eaLnBrk="1" hangingPunct="1">
+              <a:spcBef>
+                <a:spcPct val="0"/>
+              </a:spcBef>
+            </a:pPr>
+            <a:r>
+              <a:rPr lang="en-US" altLang="en-US" sz="1800" dirty="0"/>
+              <a:t>Strategic ‘Steering Wheel’, divided into five radial slices - Customer, Community, Operations, People and Finance. Each slice is subdivided into specific objectives – for example the ‘Customer’ slice contains ‘Earn Lifetime Loyalty’, ‘The Aisles Are Clear’, ‘I Can Get What I Want’, ‘The Prices Are Good’, ‘I Don’t Queue’ and ‘The Staff Are Great’.</a:t>
+            </a:r>
+          </a:p>
+          <a:p>
+            <a:pPr eaLnBrk="1" hangingPunct="1">
+              <a:spcBef>
+                <a:spcPct val="0"/>
+              </a:spcBef>
+            </a:pPr>
+            <a:endParaRPr lang="en-US" altLang="en-US" sz="1800" dirty="0"/>
+          </a:p>
+          <a:p>
+            <a:pPr eaLnBrk="1" hangingPunct="1">
+              <a:spcBef>
+                <a:spcPct val="0"/>
+              </a:spcBef>
+            </a:pPr>
+            <a:r>
+              <a:rPr lang="en-US" altLang="en-US" sz="1800" dirty="0"/>
+              <a:t>The steering wheel gives a clear prescription on what should be measured in order to balance the financial perspective.</a:t>
+            </a:r>
           </a:p>
         </p:txBody>
       </p:sp>
@@ -5004,7 +5094,7 @@
           <a:p>
             <a:fld id="{2E36A4A8-4679-F349-B4E1-60A94314D23D}" type="slidenum">
               <a:rPr lang="en-US" smtClean="0"/>
-              <a:t>29</a:t>
+              <a:t>28</a:t>
             </a:fld>
             <a:endParaRPr lang="en-US"/>
           </a:p>
@@ -5013,7 +5103,7 @@
     </p:spTree>
     <p:extLst>
       <p:ext uri="{BB962C8B-B14F-4D97-AF65-F5344CB8AC3E}">
-        <p14:creationId xmlns:p14="http://schemas.microsoft.com/office/powerpoint/2010/main" val="3227409041"/>
+        <p14:creationId xmlns:p14="http://schemas.microsoft.com/office/powerpoint/2010/main" val="394554245"/>
       </p:ext>
     </p:extLst>
   </p:cSld>
@@ -5067,7 +5157,11 @@
           <a:bodyPr/>
           <a:lstStyle/>
           <a:p>
-            <a:endParaRPr lang="en-US" dirty="0"/>
+            <a:r>
+              <a:rPr lang="en-US" sz="1800" dirty="0"/>
+              <a:t>Example of objectives linked to each balanced scorecard perspectives.</a:t>
+            </a:r>
+            <a:endParaRPr lang="en-GB" sz="1800" noProof="0" dirty="0"/>
           </a:p>
         </p:txBody>
       </p:sp>
@@ -5088,7 +5182,7 @@
           <a:p>
             <a:fld id="{2E36A4A8-4679-F349-B4E1-60A94314D23D}" type="slidenum">
               <a:rPr lang="en-US" smtClean="0"/>
-              <a:t>33</a:t>
+              <a:t>29</a:t>
             </a:fld>
             <a:endParaRPr lang="en-US"/>
           </a:p>
@@ -5097,7 +5191,7 @@
     </p:spTree>
     <p:extLst>
       <p:ext uri="{BB962C8B-B14F-4D97-AF65-F5344CB8AC3E}">
-        <p14:creationId xmlns:p14="http://schemas.microsoft.com/office/powerpoint/2010/main" val="3349390392"/>
+        <p14:creationId xmlns:p14="http://schemas.microsoft.com/office/powerpoint/2010/main" val="3227409041"/>
       </p:ext>
     </p:extLst>
   </p:cSld>
@@ -5172,7 +5266,7 @@
           <a:p>
             <a:fld id="{2E36A4A8-4679-F349-B4E1-60A94314D23D}" type="slidenum">
               <a:rPr lang="en-US" smtClean="0"/>
-              <a:t>42</a:t>
+              <a:t>33</a:t>
             </a:fld>
             <a:endParaRPr lang="en-US"/>
           </a:p>
@@ -5181,7 +5275,7 @@
     </p:spTree>
     <p:extLst>
       <p:ext uri="{BB962C8B-B14F-4D97-AF65-F5344CB8AC3E}">
-        <p14:creationId xmlns:p14="http://schemas.microsoft.com/office/powerpoint/2010/main" val="1605838807"/>
+        <p14:creationId xmlns:p14="http://schemas.microsoft.com/office/powerpoint/2010/main" val="3349390392"/>
       </p:ext>
     </p:extLst>
   </p:cSld>
@@ -5235,7 +5329,7 @@
           <a:bodyPr/>
           <a:lstStyle/>
           <a:p>
-            <a:endParaRPr lang="en-SG" dirty="0"/>
+            <a:endParaRPr lang="en-US" dirty="0"/>
           </a:p>
         </p:txBody>
       </p:sp>
@@ -5246,7 +5340,7 @@
             <a:spLocks noGrp="1"/>
           </p:cNvSpPr>
           <p:nvPr>
-            <p:ph type="sldNum" sz="quarter" idx="10"/>
+            <p:ph type="sldNum" sz="quarter" idx="5"/>
           </p:nvPr>
         </p:nvSpPr>
         <p:spPr/>
@@ -5256,7 +5350,7 @@
           <a:p>
             <a:fld id="{2E36A4A8-4679-F349-B4E1-60A94314D23D}" type="slidenum">
               <a:rPr lang="en-US" smtClean="0"/>
-              <a:t>43</a:t>
+              <a:t>42</a:t>
             </a:fld>
             <a:endParaRPr lang="en-US"/>
           </a:p>
@@ -5265,7 +5359,7 @@
     </p:spTree>
     <p:extLst>
       <p:ext uri="{BB962C8B-B14F-4D97-AF65-F5344CB8AC3E}">
-        <p14:creationId xmlns:p14="http://schemas.microsoft.com/office/powerpoint/2010/main" val="38608276"/>
+        <p14:creationId xmlns:p14="http://schemas.microsoft.com/office/powerpoint/2010/main" val="1605838807"/>
       </p:ext>
     </p:extLst>
   </p:cSld>
@@ -5340,7 +5434,7 @@
           <a:p>
             <a:fld id="{2E36A4A8-4679-F349-B4E1-60A94314D23D}" type="slidenum">
               <a:rPr lang="en-US" smtClean="0"/>
-              <a:t>44</a:t>
+              <a:t>43</a:t>
             </a:fld>
             <a:endParaRPr lang="en-US"/>
           </a:p>
@@ -5349,7 +5443,7 @@
     </p:spTree>
     <p:extLst>
       <p:ext uri="{BB962C8B-B14F-4D97-AF65-F5344CB8AC3E}">
-        <p14:creationId xmlns:p14="http://schemas.microsoft.com/office/powerpoint/2010/main" val="596507499"/>
+        <p14:creationId xmlns:p14="http://schemas.microsoft.com/office/powerpoint/2010/main" val="38608276"/>
       </p:ext>
     </p:extLst>
   </p:cSld>
@@ -5424,7 +5518,7 @@
           <a:p>
             <a:fld id="{2E36A4A8-4679-F349-B4E1-60A94314D23D}" type="slidenum">
               <a:rPr lang="en-US" smtClean="0"/>
-              <a:t>48</a:t>
+              <a:t>44</a:t>
             </a:fld>
             <a:endParaRPr lang="en-US"/>
           </a:p>
@@ -5433,7 +5527,7 @@
     </p:spTree>
     <p:extLst>
       <p:ext uri="{BB962C8B-B14F-4D97-AF65-F5344CB8AC3E}">
-        <p14:creationId xmlns:p14="http://schemas.microsoft.com/office/powerpoint/2010/main" val="1539162225"/>
+        <p14:creationId xmlns:p14="http://schemas.microsoft.com/office/powerpoint/2010/main" val="596507499"/>
       </p:ext>
     </p:extLst>
   </p:cSld>
@@ -5487,273 +5581,7 @@
           <a:bodyPr/>
           <a:lstStyle/>
           <a:p>
-            <a:pPr marL="0" marR="0" indent="0" algn="l" defTabSz="914400" rtl="0" eaLnBrk="1" fontAlgn="auto" latinLnBrk="0" hangingPunct="1">
-              <a:lnSpc>
-                <a:spcPct val="100000"/>
-              </a:lnSpc>
-              <a:spcBef>
-                <a:spcPts val="0"/>
-              </a:spcBef>
-              <a:spcAft>
-                <a:spcPts val="0"/>
-              </a:spcAft>
-              <a:buClrTx/>
-              <a:buSzTx/>
-              <a:buFontTx/>
-              <a:buNone/>
-              <a:tabLst/>
-              <a:defRPr/>
-            </a:pPr>
-            <a:r>
-              <a:rPr lang="en-SG" sz="1200" i="0" kern="1200" dirty="0">
-                <a:solidFill>
-                  <a:schemeClr val="tx1"/>
-                </a:solidFill>
-                <a:effectLst/>
-                <a:latin typeface="Arial" pitchFamily="34" charset="0"/>
-                <a:ea typeface="+mn-ea"/>
-                <a:cs typeface="Arial" pitchFamily="34" charset="0"/>
-              </a:rPr>
-              <a:t>Using the Balanced Scorecard to translate corporate strategies into actionable strategic goals is an efficient way to operationalise some of the principles of strategic Business Performance Management.</a:t>
-            </a:r>
-          </a:p>
-          <a:p>
-            <a:pPr marL="0" marR="0" indent="0" algn="l" defTabSz="914400" rtl="0" eaLnBrk="1" fontAlgn="auto" latinLnBrk="0" hangingPunct="1">
-              <a:lnSpc>
-                <a:spcPct val="100000"/>
-              </a:lnSpc>
-              <a:spcBef>
-                <a:spcPts val="0"/>
-              </a:spcBef>
-              <a:spcAft>
-                <a:spcPts val="0"/>
-              </a:spcAft>
-              <a:buClrTx/>
-              <a:buSzTx/>
-              <a:buFontTx/>
-              <a:buNone/>
-              <a:tabLst/>
-              <a:defRPr/>
-            </a:pPr>
-            <a:endParaRPr lang="en-SG" sz="1200" i="0" kern="1200" dirty="0">
-              <a:solidFill>
-                <a:schemeClr val="tx1"/>
-              </a:solidFill>
-              <a:effectLst/>
-              <a:latin typeface="Arial" pitchFamily="34" charset="0"/>
-              <a:ea typeface="+mn-ea"/>
-              <a:cs typeface="Arial" pitchFamily="34" charset="0"/>
-            </a:endParaRPr>
-          </a:p>
-          <a:p>
-            <a:pPr marL="0" marR="0" indent="0" algn="l" defTabSz="914400" rtl="0" eaLnBrk="1" fontAlgn="auto" latinLnBrk="0" hangingPunct="1">
-              <a:lnSpc>
-                <a:spcPct val="100000"/>
-              </a:lnSpc>
-              <a:spcBef>
-                <a:spcPts val="0"/>
-              </a:spcBef>
-              <a:spcAft>
-                <a:spcPts val="0"/>
-              </a:spcAft>
-              <a:buClrTx/>
-              <a:buSzTx/>
-              <a:buFontTx/>
-              <a:buNone/>
-              <a:tabLst/>
-              <a:defRPr/>
-            </a:pPr>
-            <a:r>
-              <a:rPr lang="en-US" sz="1200" kern="1200" dirty="0">
-                <a:solidFill>
-                  <a:schemeClr val="tx1"/>
-                </a:solidFill>
-                <a:effectLst/>
-                <a:latin typeface="Arial" pitchFamily="34" charset="0"/>
-                <a:ea typeface="+mn-ea"/>
-                <a:cs typeface="Arial" pitchFamily="34" charset="0"/>
-              </a:rPr>
-              <a:t>There are some obstacles to the successful implementation of Business Performance Measurement Systems.  Below</a:t>
-            </a:r>
-            <a:r>
-              <a:rPr lang="en-US" sz="1200" kern="1200" baseline="0" dirty="0">
-                <a:solidFill>
-                  <a:schemeClr val="tx1"/>
-                </a:solidFill>
-                <a:effectLst/>
-                <a:latin typeface="Arial" pitchFamily="34" charset="0"/>
-                <a:ea typeface="+mn-ea"/>
-                <a:cs typeface="Arial" pitchFamily="34" charset="0"/>
-              </a:rPr>
-              <a:t> are t</a:t>
-            </a:r>
-            <a:r>
-              <a:rPr lang="en-US" sz="1200" kern="1200" dirty="0">
-                <a:solidFill>
-                  <a:schemeClr val="tx1"/>
-                </a:solidFill>
-                <a:effectLst/>
-                <a:latin typeface="Arial" pitchFamily="34" charset="0"/>
-                <a:ea typeface="+mn-ea"/>
-                <a:cs typeface="Arial" pitchFamily="34" charset="0"/>
-              </a:rPr>
-              <a:t>he obstacles highlighted by Kaplan and Norton in</a:t>
-            </a:r>
-            <a:r>
-              <a:rPr lang="en-US" sz="1200" kern="1200" baseline="0" dirty="0">
-                <a:solidFill>
-                  <a:schemeClr val="tx1"/>
-                </a:solidFill>
-                <a:effectLst/>
-                <a:latin typeface="Arial" pitchFamily="34" charset="0"/>
-                <a:ea typeface="+mn-ea"/>
-                <a:cs typeface="Arial" pitchFamily="34" charset="0"/>
-              </a:rPr>
-              <a:t> their publication in </a:t>
-            </a:r>
-            <a:r>
-              <a:rPr lang="en-US" sz="1200" kern="1200" dirty="0">
-                <a:solidFill>
-                  <a:schemeClr val="tx1"/>
-                </a:solidFill>
-                <a:effectLst/>
-                <a:latin typeface="Arial" pitchFamily="34" charset="0"/>
-                <a:ea typeface="+mn-ea"/>
-                <a:cs typeface="Arial" pitchFamily="34" charset="0"/>
-              </a:rPr>
-              <a:t>2005</a:t>
-            </a:r>
-            <a:r>
-              <a:rPr lang="en-US" sz="1200" kern="1200" baseline="0" dirty="0">
-                <a:solidFill>
-                  <a:schemeClr val="tx1"/>
-                </a:solidFill>
-                <a:effectLst/>
-                <a:latin typeface="Arial" pitchFamily="34" charset="0"/>
-                <a:ea typeface="+mn-ea"/>
-                <a:cs typeface="Arial" pitchFamily="34" charset="0"/>
-              </a:rPr>
-              <a:t>.</a:t>
-            </a:r>
-          </a:p>
-          <a:p>
-            <a:pPr marL="0" marR="0" indent="0" algn="l" defTabSz="914400" rtl="0" eaLnBrk="1" fontAlgn="auto" latinLnBrk="0" hangingPunct="1">
-              <a:lnSpc>
-                <a:spcPct val="100000"/>
-              </a:lnSpc>
-              <a:spcBef>
-                <a:spcPts val="0"/>
-              </a:spcBef>
-              <a:spcAft>
-                <a:spcPts val="0"/>
-              </a:spcAft>
-              <a:buClrTx/>
-              <a:buSzTx/>
-              <a:buFontTx/>
-              <a:buNone/>
-              <a:tabLst/>
-              <a:defRPr/>
-            </a:pPr>
-            <a:endParaRPr lang="en-US" sz="1200" kern="1200" baseline="0" dirty="0">
-              <a:solidFill>
-                <a:schemeClr val="tx1"/>
-              </a:solidFill>
-              <a:effectLst/>
-              <a:latin typeface="Arial" pitchFamily="34" charset="0"/>
-              <a:ea typeface="+mn-ea"/>
-              <a:cs typeface="Arial" pitchFamily="34" charset="0"/>
-            </a:endParaRPr>
-          </a:p>
-          <a:p>
-            <a:pPr marL="0" marR="0" indent="0" algn="l" defTabSz="914400" rtl="0" eaLnBrk="1" fontAlgn="auto" latinLnBrk="0" hangingPunct="1">
-              <a:lnSpc>
-                <a:spcPct val="100000"/>
-              </a:lnSpc>
-              <a:spcBef>
-                <a:spcPts val="0"/>
-              </a:spcBef>
-              <a:spcAft>
-                <a:spcPts val="0"/>
-              </a:spcAft>
-              <a:buClrTx/>
-              <a:buSzTx/>
-              <a:buFontTx/>
-              <a:buNone/>
-              <a:tabLst/>
-              <a:defRPr/>
-            </a:pPr>
-            <a:r>
-              <a:rPr lang="en-US" sz="1200" kern="1200" dirty="0">
-                <a:solidFill>
-                  <a:schemeClr val="tx1"/>
-                </a:solidFill>
-                <a:effectLst/>
-                <a:latin typeface="Arial" pitchFamily="34" charset="0"/>
-                <a:ea typeface="+mn-ea"/>
-                <a:cs typeface="Arial" pitchFamily="34" charset="0"/>
-              </a:rPr>
-              <a:t>Implementation of a Business Performance Measurement System introduces something new that may not be immediately accepted by an </a:t>
-            </a:r>
-            <a:r>
-              <a:rPr lang="en-US" sz="1200" kern="1200" dirty="0" err="1">
-                <a:solidFill>
-                  <a:schemeClr val="tx1"/>
-                </a:solidFill>
-                <a:effectLst/>
-                <a:latin typeface="Arial" pitchFamily="34" charset="0"/>
-                <a:ea typeface="+mn-ea"/>
-                <a:cs typeface="Arial" pitchFamily="34" charset="0"/>
-              </a:rPr>
-              <a:t>organisation</a:t>
-            </a:r>
-            <a:r>
-              <a:rPr lang="en-US" sz="1200" kern="1200" dirty="0">
-                <a:solidFill>
-                  <a:schemeClr val="tx1"/>
-                </a:solidFill>
-                <a:effectLst/>
-                <a:latin typeface="Arial" pitchFamily="34" charset="0"/>
-                <a:ea typeface="+mn-ea"/>
-                <a:cs typeface="Arial" pitchFamily="34" charset="0"/>
-              </a:rPr>
-              <a:t>.  It is critical to communicate (initial and on-going) with the employees regarding such</a:t>
-            </a:r>
-            <a:r>
-              <a:rPr lang="en-US" sz="1200" kern="1200" baseline="0" dirty="0">
-                <a:solidFill>
-                  <a:schemeClr val="tx1"/>
-                </a:solidFill>
-                <a:effectLst/>
-                <a:latin typeface="Arial" pitchFamily="34" charset="0"/>
-                <a:ea typeface="+mn-ea"/>
-                <a:cs typeface="Arial" pitchFamily="34" charset="0"/>
-              </a:rPr>
-              <a:t> </a:t>
-            </a:r>
-            <a:r>
-              <a:rPr lang="en-US" sz="1200" kern="1200" dirty="0">
-                <a:solidFill>
-                  <a:schemeClr val="tx1"/>
-                </a:solidFill>
-                <a:effectLst/>
-                <a:latin typeface="Arial" pitchFamily="34" charset="0"/>
-                <a:ea typeface="+mn-ea"/>
-                <a:cs typeface="Arial" pitchFamily="34" charset="0"/>
-              </a:rPr>
-              <a:t>new implementations. </a:t>
-            </a:r>
-            <a:endParaRPr lang="en-SG" sz="1200" kern="1200" dirty="0">
-              <a:solidFill>
-                <a:schemeClr val="tx1"/>
-              </a:solidFill>
-              <a:effectLst/>
-              <a:latin typeface="Arial" pitchFamily="34" charset="0"/>
-              <a:ea typeface="+mn-ea"/>
-              <a:cs typeface="Arial" pitchFamily="34" charset="0"/>
-            </a:endParaRPr>
-          </a:p>
-          <a:p>
-            <a:endParaRPr lang="en-US" dirty="0"/>
+            <a:endParaRPr lang="en-SG" dirty="0"/>
           </a:p>
         </p:txBody>
       </p:sp>
@@ -5764,7 +5592,7 @@
             <a:spLocks noGrp="1"/>
           </p:cNvSpPr>
           <p:nvPr>
-            <p:ph type="sldNum" sz="quarter" idx="5"/>
+            <p:ph type="sldNum" sz="quarter" idx="10"/>
           </p:nvPr>
         </p:nvSpPr>
         <p:spPr/>
@@ -5774,7 +5602,7 @@
           <a:p>
             <a:fld id="{2E36A4A8-4679-F349-B4E1-60A94314D23D}" type="slidenum">
               <a:rPr lang="en-US" smtClean="0"/>
-              <a:t>53</a:t>
+              <a:t>48</a:t>
             </a:fld>
             <a:endParaRPr lang="en-US"/>
           </a:p>
@@ -5783,7 +5611,7 @@
     </p:spTree>
     <p:extLst>
       <p:ext uri="{BB962C8B-B14F-4D97-AF65-F5344CB8AC3E}">
-        <p14:creationId xmlns:p14="http://schemas.microsoft.com/office/powerpoint/2010/main" val="3177992387"/>
+        <p14:creationId xmlns:p14="http://schemas.microsoft.com/office/powerpoint/2010/main" val="1539162225"/>
       </p:ext>
     </p:extLst>
   </p:cSld>
@@ -5837,10 +5665,273 @@
           <a:bodyPr/>
           <a:lstStyle/>
           <a:p>
-            <a:r>
-              <a:rPr lang="en-US" dirty="0"/>
-              <a:t>Break the class into groups of 3 or 4, and have them discussed the development of a strategy map, using concepts from the Balanced Scorecard, as well vision and mission statements. Have the groups discussed the different aspects of the BSC (Financial, Customer, Internal Business Process, Learning and Growth).</a:t>
-            </a:r>
+            <a:pPr marL="0" marR="0" indent="0" algn="l" defTabSz="914400" rtl="0" eaLnBrk="1" fontAlgn="auto" latinLnBrk="0" hangingPunct="1">
+              <a:lnSpc>
+                <a:spcPct val="100000"/>
+              </a:lnSpc>
+              <a:spcBef>
+                <a:spcPts val="0"/>
+              </a:spcBef>
+              <a:spcAft>
+                <a:spcPts val="0"/>
+              </a:spcAft>
+              <a:buClrTx/>
+              <a:buSzTx/>
+              <a:buFontTx/>
+              <a:buNone/>
+              <a:tabLst/>
+              <a:defRPr/>
+            </a:pPr>
+            <a:r>
+              <a:rPr lang="en-SG" sz="1200" i="0" kern="1200" dirty="0">
+                <a:solidFill>
+                  <a:schemeClr val="tx1"/>
+                </a:solidFill>
+                <a:effectLst/>
+                <a:latin typeface="Arial" pitchFamily="34" charset="0"/>
+                <a:ea typeface="+mn-ea"/>
+                <a:cs typeface="Arial" pitchFamily="34" charset="0"/>
+              </a:rPr>
+              <a:t>Using the Balanced Scorecard to translate corporate strategies into actionable strategic goals is an efficient way to operationalise some of the principles of strategic Business Performance Management.</a:t>
+            </a:r>
+          </a:p>
+          <a:p>
+            <a:pPr marL="0" marR="0" indent="0" algn="l" defTabSz="914400" rtl="0" eaLnBrk="1" fontAlgn="auto" latinLnBrk="0" hangingPunct="1">
+              <a:lnSpc>
+                <a:spcPct val="100000"/>
+              </a:lnSpc>
+              <a:spcBef>
+                <a:spcPts val="0"/>
+              </a:spcBef>
+              <a:spcAft>
+                <a:spcPts val="0"/>
+              </a:spcAft>
+              <a:buClrTx/>
+              <a:buSzTx/>
+              <a:buFontTx/>
+              <a:buNone/>
+              <a:tabLst/>
+              <a:defRPr/>
+            </a:pPr>
+            <a:endParaRPr lang="en-SG" sz="1200" i="0" kern="1200" dirty="0">
+              <a:solidFill>
+                <a:schemeClr val="tx1"/>
+              </a:solidFill>
+              <a:effectLst/>
+              <a:latin typeface="Arial" pitchFamily="34" charset="0"/>
+              <a:ea typeface="+mn-ea"/>
+              <a:cs typeface="Arial" pitchFamily="34" charset="0"/>
+            </a:endParaRPr>
+          </a:p>
+          <a:p>
+            <a:pPr marL="0" marR="0" indent="0" algn="l" defTabSz="914400" rtl="0" eaLnBrk="1" fontAlgn="auto" latinLnBrk="0" hangingPunct="1">
+              <a:lnSpc>
+                <a:spcPct val="100000"/>
+              </a:lnSpc>
+              <a:spcBef>
+                <a:spcPts val="0"/>
+              </a:spcBef>
+              <a:spcAft>
+                <a:spcPts val="0"/>
+              </a:spcAft>
+              <a:buClrTx/>
+              <a:buSzTx/>
+              <a:buFontTx/>
+              <a:buNone/>
+              <a:tabLst/>
+              <a:defRPr/>
+            </a:pPr>
+            <a:r>
+              <a:rPr lang="en-US" sz="1200" kern="1200" dirty="0">
+                <a:solidFill>
+                  <a:schemeClr val="tx1"/>
+                </a:solidFill>
+                <a:effectLst/>
+                <a:latin typeface="Arial" pitchFamily="34" charset="0"/>
+                <a:ea typeface="+mn-ea"/>
+                <a:cs typeface="Arial" pitchFamily="34" charset="0"/>
+              </a:rPr>
+              <a:t>There are some obstacles to the successful implementation of Business Performance Measurement Systems.  Below</a:t>
+            </a:r>
+            <a:r>
+              <a:rPr lang="en-US" sz="1200" kern="1200" baseline="0" dirty="0">
+                <a:solidFill>
+                  <a:schemeClr val="tx1"/>
+                </a:solidFill>
+                <a:effectLst/>
+                <a:latin typeface="Arial" pitchFamily="34" charset="0"/>
+                <a:ea typeface="+mn-ea"/>
+                <a:cs typeface="Arial" pitchFamily="34" charset="0"/>
+              </a:rPr>
+              <a:t> are t</a:t>
+            </a:r>
+            <a:r>
+              <a:rPr lang="en-US" sz="1200" kern="1200" dirty="0">
+                <a:solidFill>
+                  <a:schemeClr val="tx1"/>
+                </a:solidFill>
+                <a:effectLst/>
+                <a:latin typeface="Arial" pitchFamily="34" charset="0"/>
+                <a:ea typeface="+mn-ea"/>
+                <a:cs typeface="Arial" pitchFamily="34" charset="0"/>
+              </a:rPr>
+              <a:t>he obstacles highlighted by Kaplan and Norton in</a:t>
+            </a:r>
+            <a:r>
+              <a:rPr lang="en-US" sz="1200" kern="1200" baseline="0" dirty="0">
+                <a:solidFill>
+                  <a:schemeClr val="tx1"/>
+                </a:solidFill>
+                <a:effectLst/>
+                <a:latin typeface="Arial" pitchFamily="34" charset="0"/>
+                <a:ea typeface="+mn-ea"/>
+                <a:cs typeface="Arial" pitchFamily="34" charset="0"/>
+              </a:rPr>
+              <a:t> their publication in </a:t>
+            </a:r>
+            <a:r>
+              <a:rPr lang="en-US" sz="1200" kern="1200" dirty="0">
+                <a:solidFill>
+                  <a:schemeClr val="tx1"/>
+                </a:solidFill>
+                <a:effectLst/>
+                <a:latin typeface="Arial" pitchFamily="34" charset="0"/>
+                <a:ea typeface="+mn-ea"/>
+                <a:cs typeface="Arial" pitchFamily="34" charset="0"/>
+              </a:rPr>
+              <a:t>2005</a:t>
+            </a:r>
+            <a:r>
+              <a:rPr lang="en-US" sz="1200" kern="1200" baseline="0" dirty="0">
+                <a:solidFill>
+                  <a:schemeClr val="tx1"/>
+                </a:solidFill>
+                <a:effectLst/>
+                <a:latin typeface="Arial" pitchFamily="34" charset="0"/>
+                <a:ea typeface="+mn-ea"/>
+                <a:cs typeface="Arial" pitchFamily="34" charset="0"/>
+              </a:rPr>
+              <a:t>.</a:t>
+            </a:r>
+          </a:p>
+          <a:p>
+            <a:pPr marL="0" marR="0" indent="0" algn="l" defTabSz="914400" rtl="0" eaLnBrk="1" fontAlgn="auto" latinLnBrk="0" hangingPunct="1">
+              <a:lnSpc>
+                <a:spcPct val="100000"/>
+              </a:lnSpc>
+              <a:spcBef>
+                <a:spcPts val="0"/>
+              </a:spcBef>
+              <a:spcAft>
+                <a:spcPts val="0"/>
+              </a:spcAft>
+              <a:buClrTx/>
+              <a:buSzTx/>
+              <a:buFontTx/>
+              <a:buNone/>
+              <a:tabLst/>
+              <a:defRPr/>
+            </a:pPr>
+            <a:endParaRPr lang="en-US" sz="1200" kern="1200" baseline="0" dirty="0">
+              <a:solidFill>
+                <a:schemeClr val="tx1"/>
+              </a:solidFill>
+              <a:effectLst/>
+              <a:latin typeface="Arial" pitchFamily="34" charset="0"/>
+              <a:ea typeface="+mn-ea"/>
+              <a:cs typeface="Arial" pitchFamily="34" charset="0"/>
+            </a:endParaRPr>
+          </a:p>
+          <a:p>
+            <a:pPr marL="0" marR="0" indent="0" algn="l" defTabSz="914400" rtl="0" eaLnBrk="1" fontAlgn="auto" latinLnBrk="0" hangingPunct="1">
+              <a:lnSpc>
+                <a:spcPct val="100000"/>
+              </a:lnSpc>
+              <a:spcBef>
+                <a:spcPts val="0"/>
+              </a:spcBef>
+              <a:spcAft>
+                <a:spcPts val="0"/>
+              </a:spcAft>
+              <a:buClrTx/>
+              <a:buSzTx/>
+              <a:buFontTx/>
+              <a:buNone/>
+              <a:tabLst/>
+              <a:defRPr/>
+            </a:pPr>
+            <a:r>
+              <a:rPr lang="en-US" sz="1200" kern="1200" dirty="0">
+                <a:solidFill>
+                  <a:schemeClr val="tx1"/>
+                </a:solidFill>
+                <a:effectLst/>
+                <a:latin typeface="Arial" pitchFamily="34" charset="0"/>
+                <a:ea typeface="+mn-ea"/>
+                <a:cs typeface="Arial" pitchFamily="34" charset="0"/>
+              </a:rPr>
+              <a:t>Implementation of a Business Performance Measurement System introduces something new that may not be immediately accepted by an </a:t>
+            </a:r>
+            <a:r>
+              <a:rPr lang="en-US" sz="1200" kern="1200" dirty="0" err="1">
+                <a:solidFill>
+                  <a:schemeClr val="tx1"/>
+                </a:solidFill>
+                <a:effectLst/>
+                <a:latin typeface="Arial" pitchFamily="34" charset="0"/>
+                <a:ea typeface="+mn-ea"/>
+                <a:cs typeface="Arial" pitchFamily="34" charset="0"/>
+              </a:rPr>
+              <a:t>organisation</a:t>
+            </a:r>
+            <a:r>
+              <a:rPr lang="en-US" sz="1200" kern="1200" dirty="0">
+                <a:solidFill>
+                  <a:schemeClr val="tx1"/>
+                </a:solidFill>
+                <a:effectLst/>
+                <a:latin typeface="Arial" pitchFamily="34" charset="0"/>
+                <a:ea typeface="+mn-ea"/>
+                <a:cs typeface="Arial" pitchFamily="34" charset="0"/>
+              </a:rPr>
+              <a:t>.  It is critical to communicate (initial and on-going) with the employees regarding such</a:t>
+            </a:r>
+            <a:r>
+              <a:rPr lang="en-US" sz="1200" kern="1200" baseline="0" dirty="0">
+                <a:solidFill>
+                  <a:schemeClr val="tx1"/>
+                </a:solidFill>
+                <a:effectLst/>
+                <a:latin typeface="Arial" pitchFamily="34" charset="0"/>
+                <a:ea typeface="+mn-ea"/>
+                <a:cs typeface="Arial" pitchFamily="34" charset="0"/>
+              </a:rPr>
+              <a:t> </a:t>
+            </a:r>
+            <a:r>
+              <a:rPr lang="en-US" sz="1200" kern="1200" dirty="0">
+                <a:solidFill>
+                  <a:schemeClr val="tx1"/>
+                </a:solidFill>
+                <a:effectLst/>
+                <a:latin typeface="Arial" pitchFamily="34" charset="0"/>
+                <a:ea typeface="+mn-ea"/>
+                <a:cs typeface="Arial" pitchFamily="34" charset="0"/>
+              </a:rPr>
+              <a:t>new implementations. </a:t>
+            </a:r>
+            <a:endParaRPr lang="en-SG" sz="1200" kern="1200" dirty="0">
+              <a:solidFill>
+                <a:schemeClr val="tx1"/>
+              </a:solidFill>
+              <a:effectLst/>
+              <a:latin typeface="Arial" pitchFamily="34" charset="0"/>
+              <a:ea typeface="+mn-ea"/>
+              <a:cs typeface="Arial" pitchFamily="34" charset="0"/>
+            </a:endParaRPr>
+          </a:p>
+          <a:p>
+            <a:endParaRPr lang="en-US" dirty="0"/>
           </a:p>
         </p:txBody>
       </p:sp>
@@ -5861,7 +5952,7 @@
           <a:p>
             <a:fld id="{2E36A4A8-4679-F349-B4E1-60A94314D23D}" type="slidenum">
               <a:rPr lang="en-US" smtClean="0"/>
-              <a:t>56</a:t>
+              <a:t>53</a:t>
             </a:fld>
             <a:endParaRPr lang="en-US"/>
           </a:p>
@@ -5870,7 +5961,7 @@
     </p:spTree>
     <p:extLst>
       <p:ext uri="{BB962C8B-B14F-4D97-AF65-F5344CB8AC3E}">
-        <p14:creationId xmlns:p14="http://schemas.microsoft.com/office/powerpoint/2010/main" val="2417747016"/>
+        <p14:creationId xmlns:p14="http://schemas.microsoft.com/office/powerpoint/2010/main" val="3177992387"/>
       </p:ext>
     </p:extLst>
   </p:cSld>
@@ -5899,38 +5990,19 @@
       </p:grpSpPr>
       <p:sp>
         <p:nvSpPr>
-          <p:cNvPr id="29698" name="Slide Image Placeholder 1"/>
+          <p:cNvPr id="2" name="Slide Image Placeholder 1"/>
           <p:cNvSpPr>
-            <a:spLocks noGrp="1" noRot="1" noChangeAspect="1" noChangeArrowheads="1" noTextEdit="1"/>
+            <a:spLocks noGrp="1" noRot="1" noChangeAspect="1"/>
           </p:cNvSpPr>
           <p:nvPr>
             <p:ph type="sldImg"/>
           </p:nvPr>
         </p:nvSpPr>
-        <p:spPr bwMode="auto">
-          <a:noFill/>
-          <a:ln>
-            <a:solidFill>
-              <a:srgbClr val="000000"/>
-            </a:solidFill>
-            <a:miter lim="800000"/>
-            <a:headEnd/>
-            <a:tailEnd/>
-          </a:ln>
-          <a:extLst>
-            <a:ext uri="{909E8E84-426E-40DD-AFC4-6F175D3DCCD1}">
-              <a14:hiddenFill xmlns:a14="http://schemas.microsoft.com/office/drawing/2010/main">
-                <a:solidFill>
-                  <a:srgbClr val="FFFFFF"/>
-                </a:solidFill>
-              </a14:hiddenFill>
-            </a:ext>
-          </a:extLst>
-        </p:spPr>
+        <p:spPr/>
       </p:sp>
       <p:sp>
         <p:nvSpPr>
-          <p:cNvPr id="29699" name="Notes Placeholder 2"/>
+          <p:cNvPr id="3" name="Notes Placeholder 2"/>
           <p:cNvSpPr>
             <a:spLocks noGrp="1"/>
           </p:cNvSpPr>
@@ -5938,64 +6010,45 @@
             <p:ph type="body" idx="1"/>
           </p:nvPr>
         </p:nvSpPr>
-        <p:spPr bwMode="auto">
-          <a:noFill/>
-          <a:extLst>
-            <a:ext uri="{909E8E84-426E-40DD-AFC4-6F175D3DCCD1}">
-              <a14:hiddenFill xmlns:a14="http://schemas.microsoft.com/office/drawing/2010/main">
-                <a:solidFill>
-                  <a:srgbClr val="FFFFFF"/>
-                </a:solidFill>
-              </a14:hiddenFill>
-            </a:ext>
-            <a:ext uri="{91240B29-F687-4F45-9708-019B960494DF}">
-              <a14:hiddenLine xmlns:a14="http://schemas.microsoft.com/office/drawing/2010/main" w="9525">
-                <a:solidFill>
-                  <a:srgbClr val="000000"/>
-                </a:solidFill>
-                <a:miter lim="800000"/>
-                <a:headEnd/>
-                <a:tailEnd/>
-              </a14:hiddenLine>
-            </a:ext>
-          </a:extLst>
-        </p:spPr>
+        <p:spPr/>
         <p:txBody>
           <a:bodyPr/>
           <a:lstStyle/>
           <a:p>
-            <a:pPr marL="228600" indent="-228600">
-              <a:buAutoNum type="arabicPeriod"/>
-            </a:pPr>
-            <a:r>
-              <a:rPr lang="en-SG" baseline="0" dirty="0"/>
-              <a:t>Demo on superstore (Excel) for order table</a:t>
-            </a:r>
-          </a:p>
-          <a:p>
-            <a:pPr marL="228600" indent="-228600">
-              <a:buAutoNum type="arabicPeriod"/>
-            </a:pPr>
-            <a:r>
-              <a:rPr lang="en-SG" baseline="0" dirty="0"/>
-              <a:t>Creating the worksheet</a:t>
-            </a:r>
-            <a:endParaRPr lang="en-SG" dirty="0"/>
-          </a:p>
-          <a:p>
-            <a:pPr eaLnBrk="1" hangingPunct="1">
-              <a:spcBef>
-                <a:spcPct val="0"/>
-              </a:spcBef>
-            </a:pPr>
-            <a:endParaRPr lang="en-SG" altLang="en-US" dirty="0"/>
+            <a:r>
+              <a:rPr lang="en-US" dirty="0"/>
+              <a:t>Break the class into groups of 3 or 4, and have them discussed the development of a strategy map, using concepts from the Balanced Scorecard, as well vision and mission statements. Have the groups discussed the different aspects of the BSC (Financial, Customer, Internal Business Process, Learning and Growth).</a:t>
+            </a:r>
+          </a:p>
+        </p:txBody>
+      </p:sp>
+      <p:sp>
+        <p:nvSpPr>
+          <p:cNvPr id="4" name="Slide Number Placeholder 3"/>
+          <p:cNvSpPr>
+            <a:spLocks noGrp="1"/>
+          </p:cNvSpPr>
+          <p:nvPr>
+            <p:ph type="sldNum" sz="quarter" idx="5"/>
+          </p:nvPr>
+        </p:nvSpPr>
+        <p:spPr/>
+        <p:txBody>
+          <a:bodyPr/>
+          <a:lstStyle/>
+          <a:p>
+            <a:fld id="{2E36A4A8-4679-F349-B4E1-60A94314D23D}" type="slidenum">
+              <a:rPr lang="en-US" smtClean="0"/>
+              <a:t>56</a:t>
+            </a:fld>
+            <a:endParaRPr lang="en-US"/>
           </a:p>
         </p:txBody>
       </p:sp>
     </p:spTree>
     <p:extLst>
       <p:ext uri="{BB962C8B-B14F-4D97-AF65-F5344CB8AC3E}">
-        <p14:creationId xmlns:p14="http://schemas.microsoft.com/office/powerpoint/2010/main" val="2065910262"/>
+        <p14:creationId xmlns:p14="http://schemas.microsoft.com/office/powerpoint/2010/main" val="2417747016"/>
       </p:ext>
     </p:extLst>
   </p:cSld>
@@ -6177,6 +6230,131 @@
           <a:bodyPr/>
           <a:lstStyle/>
           <a:p>
+            <a:pPr marL="228600" indent="-228600">
+              <a:buAutoNum type="arabicPeriod"/>
+            </a:pPr>
+            <a:r>
+              <a:rPr lang="en-SG" baseline="0" dirty="0"/>
+              <a:t>Demo on superstore (Excel) for order table</a:t>
+            </a:r>
+          </a:p>
+          <a:p>
+            <a:pPr marL="228600" indent="-228600">
+              <a:buAutoNum type="arabicPeriod"/>
+            </a:pPr>
+            <a:r>
+              <a:rPr lang="en-SG" baseline="0" dirty="0"/>
+              <a:t>Creating the worksheet</a:t>
+            </a:r>
+            <a:endParaRPr lang="en-SG" dirty="0"/>
+          </a:p>
+          <a:p>
+            <a:pPr eaLnBrk="1" hangingPunct="1">
+              <a:spcBef>
+                <a:spcPct val="0"/>
+              </a:spcBef>
+            </a:pPr>
+            <a:endParaRPr lang="en-SG" altLang="en-US" dirty="0"/>
+          </a:p>
+        </p:txBody>
+      </p:sp>
+    </p:spTree>
+    <p:extLst>
+      <p:ext uri="{BB962C8B-B14F-4D97-AF65-F5344CB8AC3E}">
+        <p14:creationId xmlns:p14="http://schemas.microsoft.com/office/powerpoint/2010/main" val="2065910262"/>
+      </p:ext>
+    </p:extLst>
+  </p:cSld>
+  <p:clrMapOvr>
+    <a:masterClrMapping/>
+  </p:clrMapOvr>
+</p:notes>
+</file>
+
+<file path=ppt/notesSlides/notesSlide21.xml><?xml version="1.0" encoding="utf-8"?>
+<p:notes xmlns:a="http://schemas.openxmlformats.org/drawingml/2006/main" xmlns:r="http://schemas.openxmlformats.org/officeDocument/2006/relationships" xmlns:p="http://schemas.openxmlformats.org/presentationml/2006/main">
+  <p:cSld>
+    <p:spTree>
+      <p:nvGrpSpPr>
+        <p:cNvPr id="1" name=""/>
+        <p:cNvGrpSpPr/>
+        <p:nvPr/>
+      </p:nvGrpSpPr>
+      <p:grpSpPr>
+        <a:xfrm>
+          <a:off x="0" y="0"/>
+          <a:ext cx="0" cy="0"/>
+          <a:chOff x="0" y="0"/>
+          <a:chExt cx="0" cy="0"/>
+        </a:xfrm>
+      </p:grpSpPr>
+      <p:sp>
+        <p:nvSpPr>
+          <p:cNvPr id="29698" name="Slide Image Placeholder 1"/>
+          <p:cNvSpPr>
+            <a:spLocks noGrp="1" noRot="1" noChangeAspect="1" noChangeArrowheads="1" noTextEdit="1"/>
+          </p:cNvSpPr>
+          <p:nvPr>
+            <p:ph type="sldImg"/>
+          </p:nvPr>
+        </p:nvSpPr>
+        <p:spPr bwMode="auto">
+          <a:noFill/>
+          <a:ln>
+            <a:solidFill>
+              <a:srgbClr val="000000"/>
+            </a:solidFill>
+            <a:miter lim="800000"/>
+            <a:headEnd/>
+            <a:tailEnd/>
+          </a:ln>
+          <a:extLst>
+            <a:ext uri="{909E8E84-426E-40DD-AFC4-6F175D3DCCD1}">
+              <a14:hiddenFill xmlns:a14="http://schemas.microsoft.com/office/drawing/2010/main">
+                <a:solidFill>
+                  <a:srgbClr val="FFFFFF"/>
+                </a:solidFill>
+              </a14:hiddenFill>
+            </a:ext>
+          </a:extLst>
+        </p:spPr>
+      </p:sp>
+      <p:sp>
+        <p:nvSpPr>
+          <p:cNvPr id="29699" name="Notes Placeholder 2"/>
+          <p:cNvSpPr>
+            <a:spLocks noGrp="1"/>
+          </p:cNvSpPr>
+          <p:nvPr>
+            <p:ph type="body" idx="1"/>
+          </p:nvPr>
+        </p:nvSpPr>
+        <p:spPr bwMode="auto">
+          <a:noFill/>
+          <a:extLst>
+            <a:ext uri="{909E8E84-426E-40DD-AFC4-6F175D3DCCD1}">
+              <a14:hiddenFill xmlns:a14="http://schemas.microsoft.com/office/drawing/2010/main">
+                <a:solidFill>
+                  <a:srgbClr val="FFFFFF"/>
+                </a:solidFill>
+              </a14:hiddenFill>
+            </a:ext>
+            <a:ext uri="{91240B29-F687-4F45-9708-019B960494DF}">
+              <a14:hiddenLine xmlns:a14="http://schemas.microsoft.com/office/drawing/2010/main" w="9525">
+                <a:solidFill>
+                  <a:srgbClr val="000000"/>
+                </a:solidFill>
+                <a:miter lim="800000"/>
+                <a:headEnd/>
+                <a:tailEnd/>
+              </a14:hiddenLine>
+            </a:ext>
+          </a:extLst>
+        </p:spPr>
+        <p:txBody>
+          <a:bodyPr/>
+          <a:lstStyle/>
+          <a:p>
             <a:pPr eaLnBrk="1" hangingPunct="1">
               <a:spcBef>
                 <a:spcPct val="0"/>
@@ -6199,7 +6377,7 @@
 </p:notes>
 </file>
 
-<file path=ppt/notesSlides/notesSlide21.xml><?xml version="1.0" encoding="utf-8"?>
+<file path=ppt/notesSlides/notesSlide22.xml><?xml version="1.0" encoding="utf-8"?>
 <p:notes xmlns:a="http://schemas.openxmlformats.org/drawingml/2006/main" xmlns:r="http://schemas.openxmlformats.org/officeDocument/2006/relationships" xmlns:p="http://schemas.openxmlformats.org/presentationml/2006/main">
   <p:cSld>
     <p:spTree>
@@ -6598,7 +6776,7 @@
           <a:bodyPr/>
           <a:lstStyle/>
           <a:p>
-            <a:endParaRPr lang="en-SG" dirty="0"/>
+            <a:endParaRPr lang="en-US" dirty="0"/>
           </a:p>
         </p:txBody>
       </p:sp>
@@ -6609,7 +6787,7 @@
             <a:spLocks noGrp="1"/>
           </p:cNvSpPr>
           <p:nvPr>
-            <p:ph type="sldNum" sz="quarter" idx="5"/>
+            <p:ph type="sldNum" sz="quarter" idx="10"/>
           </p:nvPr>
         </p:nvSpPr>
         <p:spPr/>
@@ -6619,7 +6797,7 @@
           <a:p>
             <a:fld id="{2E36A4A8-4679-F349-B4E1-60A94314D23D}" type="slidenum">
               <a:rPr lang="en-US" smtClean="0"/>
-              <a:t>18</a:t>
+              <a:t>13</a:t>
             </a:fld>
             <a:endParaRPr lang="en-US"/>
           </a:p>
@@ -6628,7 +6806,7 @@
     </p:spTree>
     <p:extLst>
       <p:ext uri="{BB962C8B-B14F-4D97-AF65-F5344CB8AC3E}">
-        <p14:creationId xmlns:p14="http://schemas.microsoft.com/office/powerpoint/2010/main" val="823149079"/>
+        <p14:creationId xmlns:p14="http://schemas.microsoft.com/office/powerpoint/2010/main" val="1291315198"/>
       </p:ext>
     </p:extLst>
   </p:cSld>
@@ -6693,7 +6871,7 @@
             <a:spLocks noGrp="1"/>
           </p:cNvSpPr>
           <p:nvPr>
-            <p:ph type="sldNum" sz="quarter" idx="10"/>
+            <p:ph type="sldNum" sz="quarter" idx="5"/>
           </p:nvPr>
         </p:nvSpPr>
         <p:spPr/>
@@ -6703,7 +6881,7 @@
           <a:p>
             <a:fld id="{2E36A4A8-4679-F349-B4E1-60A94314D23D}" type="slidenum">
               <a:rPr lang="en-US" smtClean="0"/>
-              <a:t>20</a:t>
+              <a:t>18</a:t>
             </a:fld>
             <a:endParaRPr lang="en-US"/>
           </a:p>
@@ -6712,7 +6890,7 @@
     </p:spTree>
     <p:extLst>
       <p:ext uri="{BB962C8B-B14F-4D97-AF65-F5344CB8AC3E}">
-        <p14:creationId xmlns:p14="http://schemas.microsoft.com/office/powerpoint/2010/main" val="2880222891"/>
+        <p14:creationId xmlns:p14="http://schemas.microsoft.com/office/powerpoint/2010/main" val="823149079"/>
       </p:ext>
     </p:extLst>
   </p:cSld>
@@ -6766,7 +6944,7 @@
           <a:bodyPr/>
           <a:lstStyle/>
           <a:p>
-            <a:endParaRPr lang="en-US" dirty="0"/>
+            <a:endParaRPr lang="en-SG" dirty="0"/>
           </a:p>
         </p:txBody>
       </p:sp>
@@ -6777,7 +6955,7 @@
             <a:spLocks noGrp="1"/>
           </p:cNvSpPr>
           <p:nvPr>
-            <p:ph type="sldNum" sz="quarter" idx="5"/>
+            <p:ph type="sldNum" sz="quarter" idx="10"/>
           </p:nvPr>
         </p:nvSpPr>
         <p:spPr/>
@@ -6787,7 +6965,7 @@
           <a:p>
             <a:fld id="{2E36A4A8-4679-F349-B4E1-60A94314D23D}" type="slidenum">
               <a:rPr lang="en-US" smtClean="0"/>
-              <a:t>22</a:t>
+              <a:t>20</a:t>
             </a:fld>
             <a:endParaRPr lang="en-US"/>
           </a:p>
@@ -6796,7 +6974,7 @@
     </p:spTree>
     <p:extLst>
       <p:ext uri="{BB962C8B-B14F-4D97-AF65-F5344CB8AC3E}">
-        <p14:creationId xmlns:p14="http://schemas.microsoft.com/office/powerpoint/2010/main" val="1984494230"/>
+        <p14:creationId xmlns:p14="http://schemas.microsoft.com/office/powerpoint/2010/main" val="2880222891"/>
       </p:ext>
     </p:extLst>
   </p:cSld>
@@ -6850,10 +7028,7 @@
           <a:bodyPr/>
           <a:lstStyle/>
           <a:p>
-            <a:r>
-              <a:rPr lang="en-GB" sz="1800" noProof="0" dirty="0"/>
-              <a:t>If the measures in the financial perspective are not showing gains while measures in the other three perspectives are, it could mean that the organisation has set the wrong goals</a:t>
-            </a:r>
+            <a:endParaRPr lang="en-US" dirty="0"/>
           </a:p>
         </p:txBody>
       </p:sp>
@@ -6874,7 +7049,7 @@
           <a:p>
             <a:fld id="{2E36A4A8-4679-F349-B4E1-60A94314D23D}" type="slidenum">
               <a:rPr lang="en-US" smtClean="0"/>
-              <a:t>23</a:t>
+              <a:t>22</a:t>
             </a:fld>
             <a:endParaRPr lang="en-US"/>
           </a:p>
@@ -6883,7 +7058,7 @@
     </p:spTree>
     <p:extLst>
       <p:ext uri="{BB962C8B-B14F-4D97-AF65-F5344CB8AC3E}">
-        <p14:creationId xmlns:p14="http://schemas.microsoft.com/office/powerpoint/2010/main" val="3443742522"/>
+        <p14:creationId xmlns:p14="http://schemas.microsoft.com/office/powerpoint/2010/main" val="1984494230"/>
       </p:ext>
     </p:extLst>
   </p:cSld>
@@ -20935,7 +21110,7 @@
           <p:nvPr>
             <p:extLst>
               <p:ext uri="{D42A27DB-BD31-4B8C-83A1-F6EECF244321}">
-                <p14:modId xmlns:p14="http://schemas.microsoft.com/office/powerpoint/2010/main" val="3225535578"/>
+                <p14:modId xmlns:p14="http://schemas.microsoft.com/office/powerpoint/2010/main" val="2903445386"/>
               </p:ext>
             </p:extLst>
           </p:nvPr>
@@ -20946,7 +21121,7 @@
         </p:xfrm>
         <a:graphic>
           <a:graphicData uri="http://schemas.openxmlformats.org/drawingml/2006/diagram">
-            <dgm:relIds xmlns:dgm="http://schemas.openxmlformats.org/drawingml/2006/diagram" xmlns:r="http://schemas.openxmlformats.org/officeDocument/2006/relationships" r:dm="rId2" r:lo="rId3" r:qs="rId4" r:cs="rId5"/>
+            <dgm:relIds xmlns:dgm="http://schemas.openxmlformats.org/drawingml/2006/diagram" xmlns:r="http://schemas.openxmlformats.org/officeDocument/2006/relationships" r:dm="rId3" r:lo="rId4" r:qs="rId5" r:cs="rId6"/>
           </a:graphicData>
         </a:graphic>
       </p:graphicFrame>
@@ -35220,6 +35395,23 @@
                 <a:cs typeface="Arial"/>
               </a:rPr>
               <a:t>New customers</a:t>
+            </a:r>
+            <a:r>
+              <a:rPr kumimoji="0" lang="en-US" sz="1700" b="0" i="0" u="none" strike="noStrike" kern="1200" cap="none" spc="0" normalizeH="0" baseline="0" noProof="0" dirty="0">
+                <a:ln>
+                  <a:noFill/>
+                </a:ln>
+                <a:solidFill>
+                  <a:sysClr val="window" lastClr="FFFFFF"/>
+                </a:solidFill>
+                <a:effectLst/>
+                <a:uLnTx/>
+                <a:uFillTx/>
+                <a:latin typeface="Arial"/>
+                <a:ea typeface="Malgun Gothic" panose="020B0503020000020004" pitchFamily="34" charset="-127"/>
+                <a:cs typeface="Arial"/>
+              </a:rPr>
+              <a:t/>
             </a:r>
             <a:br>
               <a:rPr kumimoji="0" lang="en-US" sz="1700" b="0" i="0" u="none" strike="noStrike" kern="1200" cap="none" spc="0" normalizeH="0" baseline="0" noProof="0" dirty="0">
@@ -41486,7 +41678,7 @@
                           <a:hlinkClick r:id="rId3">
                             <a:extLst>
                               <a:ext uri="{A12FA001-AC4F-418D-AE19-62706E023703}">
-                                <ahyp:hlinkClr xmlns:ahyp="http://schemas.microsoft.com/office/drawing/2018/hyperlinkcolor" val="tx"/>
+                                <ahyp:hlinkClr xmlns:ahyp="http://schemas.microsoft.com/office/drawing/2018/hyperlinkcolor" xmlns="" val="tx"/>
                               </a:ext>
                             </a:extLst>
                           </a:hlinkClick>
@@ -41590,7 +41782,7 @@
                           <a:hlinkClick r:id="rId4">
                             <a:extLst>
                               <a:ext uri="{A12FA001-AC4F-418D-AE19-62706E023703}">
-                                <ahyp:hlinkClr xmlns:ahyp="http://schemas.microsoft.com/office/drawing/2018/hyperlinkcolor" val="tx"/>
+                                <ahyp:hlinkClr xmlns:ahyp="http://schemas.microsoft.com/office/drawing/2018/hyperlinkcolor" xmlns="" val="tx"/>
                               </a:ext>
                             </a:extLst>
                           </a:hlinkClick>
@@ -41697,7 +41889,7 @@
                           <a:hlinkClick r:id="rId5">
                             <a:extLst>
                               <a:ext uri="{A12FA001-AC4F-418D-AE19-62706E023703}">
-                                <ahyp:hlinkClr xmlns:ahyp="http://schemas.microsoft.com/office/drawing/2018/hyperlinkcolor" val="tx"/>
+                                <ahyp:hlinkClr xmlns:ahyp="http://schemas.microsoft.com/office/drawing/2018/hyperlinkcolor" xmlns="" val="tx"/>
                               </a:ext>
                             </a:extLst>
                           </a:hlinkClick>
@@ -42053,6 +42245,14 @@
   <p:clrMapOvr>
     <a:masterClrMapping/>
   </p:clrMapOvr>
+  <mc:AlternateContent xmlns:mc="http://schemas.openxmlformats.org/markup-compatibility/2006">
+    <mc:Choice xmlns:p14="http://schemas.microsoft.com/office/powerpoint/2010/main" Requires="p14">
+      <p:transition spd="slow" p14:dur="2000"/>
+    </mc:Choice>
+    <mc:Fallback>
+      <p:transition spd="slow"/>
+    </mc:Fallback>
+  </mc:AlternateContent>
 </p:sld>
 </file>
 
@@ -42254,6 +42454,14 @@
   <p:clrMapOvr>
     <a:masterClrMapping/>
   </p:clrMapOvr>
+  <mc:AlternateContent xmlns:mc="http://schemas.openxmlformats.org/markup-compatibility/2006">
+    <mc:Choice xmlns:p14="http://schemas.microsoft.com/office/powerpoint/2010/main" Requires="p14">
+      <p:transition spd="slow" p14:dur="2000"/>
+    </mc:Choice>
+    <mc:Fallback>
+      <p:transition spd="slow"/>
+    </mc:Fallback>
+  </mc:AlternateContent>
 </p:sld>
 </file>
 
@@ -44623,24 +44831,6 @@
 </file>
 
 <file path=customXml/item1.xml><?xml version="1.0" encoding="utf-8"?>
-<?mso-contentType ?>
-<FormTemplates xmlns="http://schemas.microsoft.com/sharepoint/v3/contenttype/forms">
-  <Display>DocumentLibraryForm</Display>
-  <Edit>DocumentLibraryForm</Edit>
-  <New>DocumentLibraryForm</New>
-</FormTemplates>
-</file>
-
-<file path=customXml/item2.xml><?xml version="1.0" encoding="utf-8"?>
-<p:properties xmlns:p="http://schemas.microsoft.com/office/2006/metadata/properties" xmlns:xsi="http://www.w3.org/2001/XMLSchema-instance" xmlns:pc="http://schemas.microsoft.com/office/infopath/2007/PartnerControls">
-  <documentManagement>
-    <_Version xmlns="http://schemas.microsoft.com/sharepoint/v3/fields" xsi:nil="true"/>
-    <_Status xmlns="http://schemas.microsoft.com/sharepoint/v3/fields">Not Started</_Status>
-  </documentManagement>
-</p:properties>
-</file>
-
-<file path=customXml/item3.xml><?xml version="1.0" encoding="utf-8"?>
 <ct:contentTypeSchema xmlns:ct="http://schemas.microsoft.com/office/2006/metadata/contentType" xmlns:ma="http://schemas.microsoft.com/office/2006/metadata/properties/metaAttributes" ct:_="" ma:_="" ma:contentTypeName="Document" ma:contentTypeID="0x0101000DE64AEEDD9B7A4D93545ACBE97D4615" ma:contentTypeVersion="2" ma:contentTypeDescription="Create a new document." ma:contentTypeScope="" ma:versionID="f49002b78e3a4a71b814eef46a983816">
   <xsd:schema xmlns:xsd="http://www.w3.org/2001/XMLSchema" xmlns:xs="http://www.w3.org/2001/XMLSchema" xmlns:p="http://schemas.microsoft.com/office/2006/metadata/properties" xmlns:ns2="http://schemas.microsoft.com/sharepoint/v3/fields" targetNamespace="http://schemas.microsoft.com/office/2006/metadata/properties" ma:root="true" ma:fieldsID="38f6db2dd0d9a0cf6a8dc37be32b365b" ns2:_="">
     <xsd:import namespace="http://schemas.microsoft.com/sharepoint/v3/fields"/>
@@ -44784,31 +44974,25 @@
 </ct:contentTypeSchema>
 </file>
 
-<file path=customXml/itemProps1.xml><?xml version="1.0" encoding="utf-8"?>
-<ds:datastoreItem xmlns:ds="http://schemas.openxmlformats.org/officeDocument/2006/customXml" ds:itemID="{87D2A1B0-FF3E-4009-940D-AED0EB70AA20}">
-  <ds:schemaRefs>
-    <ds:schemaRef ds:uri="http://schemas.microsoft.com/sharepoint/v3/contenttype/forms"/>
-  </ds:schemaRefs>
-</ds:datastoreItem>
+<file path=customXml/item2.xml><?xml version="1.0" encoding="utf-8"?>
+<?mso-contentType ?>
+<FormTemplates xmlns="http://schemas.microsoft.com/sharepoint/v3/contenttype/forms">
+  <Display>DocumentLibraryForm</Display>
+  <Edit>DocumentLibraryForm</Edit>
+  <New>DocumentLibraryForm</New>
+</FormTemplates>
 </file>
 
-<file path=customXml/itemProps2.xml><?xml version="1.0" encoding="utf-8"?>
-<ds:datastoreItem xmlns:ds="http://schemas.openxmlformats.org/officeDocument/2006/customXml" ds:itemID="{7B6F2769-7194-4217-93D3-3AF3A4742282}">
-  <ds:schemaRefs>
-    <ds:schemaRef ds:uri="http://purl.org/dc/terms/"/>
-    <ds:schemaRef ds:uri="http://schemas.openxmlformats.org/package/2006/metadata/core-properties"/>
-    <ds:schemaRef ds:uri="http://schemas.microsoft.com/office/2006/documentManagement/types"/>
-    <ds:schemaRef ds:uri="http://schemas.microsoft.com/office/infopath/2007/PartnerControls"/>
-    <ds:schemaRef ds:uri="http://purl.org/dc/elements/1.1/"/>
-    <ds:schemaRef ds:uri="http://schemas.microsoft.com/office/2006/metadata/properties"/>
-    <ds:schemaRef ds:uri="http://schemas.microsoft.com/sharepoint/v3/fields"/>
-    <ds:schemaRef ds:uri="http://www.w3.org/XML/1998/namespace"/>
-    <ds:schemaRef ds:uri="http://purl.org/dc/dcmitype/"/>
-  </ds:schemaRefs>
-</ds:datastoreItem>
+<file path=customXml/item3.xml><?xml version="1.0" encoding="utf-8"?>
+<p:properties xmlns:p="http://schemas.microsoft.com/office/2006/metadata/properties" xmlns:xsi="http://www.w3.org/2001/XMLSchema-instance" xmlns:pc="http://schemas.microsoft.com/office/infopath/2007/PartnerControls">
+  <documentManagement>
+    <_Version xmlns="http://schemas.microsoft.com/sharepoint/v3/fields" xsi:nil="true"/>
+    <_Status xmlns="http://schemas.microsoft.com/sharepoint/v3/fields">Not Started</_Status>
+  </documentManagement>
+</p:properties>
 </file>
 
-<file path=customXml/itemProps3.xml><?xml version="1.0" encoding="utf-8"?>
+<file path=customXml/itemProps1.xml><?xml version="1.0" encoding="utf-8"?>
 <ds:datastoreItem xmlns:ds="http://schemas.openxmlformats.org/officeDocument/2006/customXml" ds:itemID="{E4214858-785C-42F7-BE66-6D0E79395FC8}">
   <ds:schemaRefs>
     <ds:schemaRef ds:uri="http://schemas.microsoft.com/office/2006/metadata/contentType"/>
@@ -44824,4 +45008,28 @@
     <ds:schemaRef ds:uri="http://schemas.microsoft.com/internal/obd"/>
   </ds:schemaRefs>
 </ds:datastoreItem>
+</file>
+
+<file path=customXml/itemProps2.xml><?xml version="1.0" encoding="utf-8"?>
+<ds:datastoreItem xmlns:ds="http://schemas.openxmlformats.org/officeDocument/2006/customXml" ds:itemID="{87D2A1B0-FF3E-4009-940D-AED0EB70AA20}">
+  <ds:schemaRefs>
+    <ds:schemaRef ds:uri="http://schemas.microsoft.com/sharepoint/v3/contenttype/forms"/>
+  </ds:schemaRefs>
+</ds:datastoreItem>
+</file>
+
+<file path=customXml/itemProps3.xml><?xml version="1.0" encoding="utf-8"?>
+<ds:datastoreItem xmlns:ds="http://schemas.openxmlformats.org/officeDocument/2006/customXml" ds:itemID="{7B6F2769-7194-4217-93D3-3AF3A4742282}">
+  <ds:schemaRefs>
+    <ds:schemaRef ds:uri="http://purl.org/dc/terms/"/>
+    <ds:schemaRef ds:uri="http://schemas.openxmlformats.org/package/2006/metadata/core-properties"/>
+    <ds:schemaRef ds:uri="http://schemas.microsoft.com/office/2006/documentManagement/types"/>
+    <ds:schemaRef ds:uri="http://schemas.microsoft.com/office/infopath/2007/PartnerControls"/>
+    <ds:schemaRef ds:uri="http://purl.org/dc/elements/1.1/"/>
+    <ds:schemaRef ds:uri="http://schemas.microsoft.com/office/2006/metadata/properties"/>
+    <ds:schemaRef ds:uri="http://schemas.microsoft.com/sharepoint/v3/fields"/>
+    <ds:schemaRef ds:uri="http://www.w3.org/XML/1998/namespace"/>
+    <ds:schemaRef ds:uri="http://purl.org/dc/dcmitype/"/>
+  </ds:schemaRefs>
+</ds:datastoreItem>
 </file>